--- a/00-presentation/Frontend 101.pptx
+++ b/00-presentation/Frontend 101.pptx
@@ -4,6 +4,9 @@
   <p:sldMasterIdLst>
     <p:sldMasterId id="2147483648" r:id="rId1"/>
   </p:sldMasterIdLst>
+  <p:notesMasterIdLst>
+    <p:notesMasterId r:id="rId17"/>
+  </p:notesMasterIdLst>
   <p:sldIdLst>
     <p:sldId id="256" r:id="rId2"/>
     <p:sldId id="257" r:id="rId3"/>
@@ -16,6 +19,10 @@
     <p:sldId id="264" r:id="rId10"/>
     <p:sldId id="265" r:id="rId11"/>
     <p:sldId id="266" r:id="rId12"/>
+    <p:sldId id="267" r:id="rId13"/>
+    <p:sldId id="268" r:id="rId14"/>
+    <p:sldId id="269" r:id="rId15"/>
+    <p:sldId id="270" r:id="rId16"/>
   </p:sldIdLst>
   <p:sldSz cx="9144000" cy="6858000" type="screen4x3"/>
   <p:notesSz cx="6858000" cy="9144000"/>
@@ -130,12 +137,450 @@
             <p14:sldId id="264"/>
             <p14:sldId id="265"/>
             <p14:sldId id="266"/>
+            <p14:sldId id="267"/>
+            <p14:sldId id="268"/>
+            <p14:sldId id="269"/>
+            <p14:sldId id="270"/>
           </p14:sldIdLst>
         </p14:section>
       </p14:sectionLst>
     </p:ext>
   </p:extLst>
 </p:presentation>
+</file>
+
+<file path=ppt/notesMasters/notesMaster1.xml><?xml version="1.0" encoding="utf-8"?>
+<p:notesMaster xmlns:a="http://schemas.openxmlformats.org/drawingml/2006/main" xmlns:r="http://schemas.openxmlformats.org/officeDocument/2006/relationships" xmlns:p="http://schemas.openxmlformats.org/presentationml/2006/main">
+  <p:cSld>
+    <p:bg>
+      <p:bgRef idx="1001">
+        <a:schemeClr val="bg1"/>
+      </p:bgRef>
+    </p:bg>
+    <p:spTree>
+      <p:nvGrpSpPr>
+        <p:cNvPr id="1" name=""/>
+        <p:cNvGrpSpPr/>
+        <p:nvPr/>
+      </p:nvGrpSpPr>
+      <p:grpSpPr>
+        <a:xfrm>
+          <a:off x="0" y="0"/>
+          <a:ext cx="0" cy="0"/>
+          <a:chOff x="0" y="0"/>
+          <a:chExt cx="0" cy="0"/>
+        </a:xfrm>
+      </p:grpSpPr>
+      <p:sp>
+        <p:nvSpPr>
+          <p:cNvPr id="2" name="Верхний колонтитул 1"/>
+          <p:cNvSpPr>
+            <a:spLocks noGrp="1"/>
+          </p:cNvSpPr>
+          <p:nvPr>
+            <p:ph type="hdr" sz="quarter"/>
+          </p:nvPr>
+        </p:nvSpPr>
+        <p:spPr>
+          <a:xfrm>
+            <a:off x="0" y="0"/>
+            <a:ext cx="2971800" cy="457200"/>
+          </a:xfrm>
+          <a:prstGeom prst="rect">
+            <a:avLst/>
+          </a:prstGeom>
+        </p:spPr>
+        <p:txBody>
+          <a:bodyPr vert="horz" lIns="91440" tIns="45720" rIns="91440" bIns="45720" rtlCol="0"/>
+          <a:lstStyle>
+            <a:lvl1pPr algn="l">
+              <a:defRPr sz="1200"/>
+            </a:lvl1pPr>
+          </a:lstStyle>
+          <a:p>
+            <a:endParaRPr lang="ru-RU"/>
+          </a:p>
+        </p:txBody>
+      </p:sp>
+      <p:sp>
+        <p:nvSpPr>
+          <p:cNvPr id="3" name="Дата 2"/>
+          <p:cNvSpPr>
+            <a:spLocks noGrp="1"/>
+          </p:cNvSpPr>
+          <p:nvPr>
+            <p:ph type="dt" idx="1"/>
+          </p:nvPr>
+        </p:nvSpPr>
+        <p:spPr>
+          <a:xfrm>
+            <a:off x="3884613" y="0"/>
+            <a:ext cx="2971800" cy="457200"/>
+          </a:xfrm>
+          <a:prstGeom prst="rect">
+            <a:avLst/>
+          </a:prstGeom>
+        </p:spPr>
+        <p:txBody>
+          <a:bodyPr vert="horz" lIns="91440" tIns="45720" rIns="91440" bIns="45720" rtlCol="0"/>
+          <a:lstStyle>
+            <a:lvl1pPr algn="r">
+              <a:defRPr sz="1200"/>
+            </a:lvl1pPr>
+          </a:lstStyle>
+          <a:p>
+            <a:fld id="{FE6E0087-205E-475D-B9F7-441EAED58169}" type="datetimeFigureOut">
+              <a:rPr lang="ru-RU" smtClean="0"/>
+              <a:t>09.10.2019</a:t>
+            </a:fld>
+            <a:endParaRPr lang="ru-RU"/>
+          </a:p>
+        </p:txBody>
+      </p:sp>
+      <p:sp>
+        <p:nvSpPr>
+          <p:cNvPr id="4" name="Образ слайда 3"/>
+          <p:cNvSpPr>
+            <a:spLocks noGrp="1" noRot="1" noChangeAspect="1"/>
+          </p:cNvSpPr>
+          <p:nvPr>
+            <p:ph type="sldImg" idx="2"/>
+          </p:nvPr>
+        </p:nvSpPr>
+        <p:spPr>
+          <a:xfrm>
+            <a:off x="1143000" y="685800"/>
+            <a:ext cx="4572000" cy="3429000"/>
+          </a:xfrm>
+          <a:prstGeom prst="rect">
+            <a:avLst/>
+          </a:prstGeom>
+          <a:noFill/>
+          <a:ln w="12700">
+            <a:solidFill>
+              <a:prstClr val="black"/>
+            </a:solidFill>
+          </a:ln>
+        </p:spPr>
+        <p:txBody>
+          <a:bodyPr vert="horz" lIns="91440" tIns="45720" rIns="91440" bIns="45720" rtlCol="0" anchor="ctr"/>
+          <a:lstStyle/>
+          <a:p>
+            <a:endParaRPr lang="ru-RU"/>
+          </a:p>
+        </p:txBody>
+      </p:sp>
+      <p:sp>
+        <p:nvSpPr>
+          <p:cNvPr id="5" name="Заметки 4"/>
+          <p:cNvSpPr>
+            <a:spLocks noGrp="1"/>
+          </p:cNvSpPr>
+          <p:nvPr>
+            <p:ph type="body" sz="quarter" idx="3"/>
+          </p:nvPr>
+        </p:nvSpPr>
+        <p:spPr>
+          <a:xfrm>
+            <a:off x="685800" y="4343400"/>
+            <a:ext cx="5486400" cy="4114800"/>
+          </a:xfrm>
+          <a:prstGeom prst="rect">
+            <a:avLst/>
+          </a:prstGeom>
+        </p:spPr>
+        <p:txBody>
+          <a:bodyPr vert="horz" lIns="91440" tIns="45720" rIns="91440" bIns="45720" rtlCol="0"/>
+          <a:lstStyle/>
+          <a:p>
+            <a:pPr lvl="0"/>
+            <a:r>
+              <a:rPr lang="ru-RU" smtClean="0"/>
+              <a:t>Образец текста</a:t>
+            </a:r>
+          </a:p>
+          <a:p>
+            <a:pPr lvl="1"/>
+            <a:r>
+              <a:rPr lang="ru-RU" smtClean="0"/>
+              <a:t>Второй уровень</a:t>
+            </a:r>
+          </a:p>
+          <a:p>
+            <a:pPr lvl="2"/>
+            <a:r>
+              <a:rPr lang="ru-RU" smtClean="0"/>
+              <a:t>Третий уровень</a:t>
+            </a:r>
+          </a:p>
+          <a:p>
+            <a:pPr lvl="3"/>
+            <a:r>
+              <a:rPr lang="ru-RU" smtClean="0"/>
+              <a:t>Четвертый уровень</a:t>
+            </a:r>
+          </a:p>
+          <a:p>
+            <a:pPr lvl="4"/>
+            <a:r>
+              <a:rPr lang="ru-RU" smtClean="0"/>
+              <a:t>Пятый уровень</a:t>
+            </a:r>
+            <a:endParaRPr lang="ru-RU"/>
+          </a:p>
+        </p:txBody>
+      </p:sp>
+      <p:sp>
+        <p:nvSpPr>
+          <p:cNvPr id="6" name="Нижний колонтитул 5"/>
+          <p:cNvSpPr>
+            <a:spLocks noGrp="1"/>
+          </p:cNvSpPr>
+          <p:nvPr>
+            <p:ph type="ftr" sz="quarter" idx="4"/>
+          </p:nvPr>
+        </p:nvSpPr>
+        <p:spPr>
+          <a:xfrm>
+            <a:off x="0" y="8685213"/>
+            <a:ext cx="2971800" cy="457200"/>
+          </a:xfrm>
+          <a:prstGeom prst="rect">
+            <a:avLst/>
+          </a:prstGeom>
+        </p:spPr>
+        <p:txBody>
+          <a:bodyPr vert="horz" lIns="91440" tIns="45720" rIns="91440" bIns="45720" rtlCol="0" anchor="b"/>
+          <a:lstStyle>
+            <a:lvl1pPr algn="l">
+              <a:defRPr sz="1200"/>
+            </a:lvl1pPr>
+          </a:lstStyle>
+          <a:p>
+            <a:endParaRPr lang="ru-RU"/>
+          </a:p>
+        </p:txBody>
+      </p:sp>
+      <p:sp>
+        <p:nvSpPr>
+          <p:cNvPr id="7" name="Номер слайда 6"/>
+          <p:cNvSpPr>
+            <a:spLocks noGrp="1"/>
+          </p:cNvSpPr>
+          <p:nvPr>
+            <p:ph type="sldNum" sz="quarter" idx="5"/>
+          </p:nvPr>
+        </p:nvSpPr>
+        <p:spPr>
+          <a:xfrm>
+            <a:off x="3884613" y="8685213"/>
+            <a:ext cx="2971800" cy="457200"/>
+          </a:xfrm>
+          <a:prstGeom prst="rect">
+            <a:avLst/>
+          </a:prstGeom>
+        </p:spPr>
+        <p:txBody>
+          <a:bodyPr vert="horz" lIns="91440" tIns="45720" rIns="91440" bIns="45720" rtlCol="0" anchor="b"/>
+          <a:lstStyle>
+            <a:lvl1pPr algn="r">
+              <a:defRPr sz="1200"/>
+            </a:lvl1pPr>
+          </a:lstStyle>
+          <a:p>
+            <a:fld id="{5CE99157-D6CE-4201-A695-6D7E49A2DA5F}" type="slidenum">
+              <a:rPr lang="ru-RU" smtClean="0"/>
+              <a:t>‹#›</a:t>
+            </a:fld>
+            <a:endParaRPr lang="ru-RU"/>
+          </a:p>
+        </p:txBody>
+      </p:sp>
+    </p:spTree>
+    <p:extLst>
+      <p:ext uri="{BB962C8B-B14F-4D97-AF65-F5344CB8AC3E}">
+        <p14:creationId xmlns:p14="http://schemas.microsoft.com/office/powerpoint/2010/main" val="636907508"/>
+      </p:ext>
+    </p:extLst>
+  </p:cSld>
+  <p:clrMap bg1="lt1" tx1="dk1" bg2="lt2" tx2="dk2" accent1="accent1" accent2="accent2" accent3="accent3" accent4="accent4" accent5="accent5" accent6="accent6" hlink="hlink" folHlink="folHlink"/>
+  <p:notesStyle>
+    <a:lvl1pPr marL="0" algn="l" defTabSz="914400" rtl="0" eaLnBrk="1" latinLnBrk="0" hangingPunct="1">
+      <a:defRPr sz="1200" kern="1200">
+        <a:solidFill>
+          <a:schemeClr val="tx1"/>
+        </a:solidFill>
+        <a:latin typeface="+mn-lt"/>
+        <a:ea typeface="+mn-ea"/>
+        <a:cs typeface="+mn-cs"/>
+      </a:defRPr>
+    </a:lvl1pPr>
+    <a:lvl2pPr marL="457200" algn="l" defTabSz="914400" rtl="0" eaLnBrk="1" latinLnBrk="0" hangingPunct="1">
+      <a:defRPr sz="1200" kern="1200">
+        <a:solidFill>
+          <a:schemeClr val="tx1"/>
+        </a:solidFill>
+        <a:latin typeface="+mn-lt"/>
+        <a:ea typeface="+mn-ea"/>
+        <a:cs typeface="+mn-cs"/>
+      </a:defRPr>
+    </a:lvl2pPr>
+    <a:lvl3pPr marL="914400" algn="l" defTabSz="914400" rtl="0" eaLnBrk="1" latinLnBrk="0" hangingPunct="1">
+      <a:defRPr sz="1200" kern="1200">
+        <a:solidFill>
+          <a:schemeClr val="tx1"/>
+        </a:solidFill>
+        <a:latin typeface="+mn-lt"/>
+        <a:ea typeface="+mn-ea"/>
+        <a:cs typeface="+mn-cs"/>
+      </a:defRPr>
+    </a:lvl3pPr>
+    <a:lvl4pPr marL="1371600" algn="l" defTabSz="914400" rtl="0" eaLnBrk="1" latinLnBrk="0" hangingPunct="1">
+      <a:defRPr sz="1200" kern="1200">
+        <a:solidFill>
+          <a:schemeClr val="tx1"/>
+        </a:solidFill>
+        <a:latin typeface="+mn-lt"/>
+        <a:ea typeface="+mn-ea"/>
+        <a:cs typeface="+mn-cs"/>
+      </a:defRPr>
+    </a:lvl4pPr>
+    <a:lvl5pPr marL="1828800" algn="l" defTabSz="914400" rtl="0" eaLnBrk="1" latinLnBrk="0" hangingPunct="1">
+      <a:defRPr sz="1200" kern="1200">
+        <a:solidFill>
+          <a:schemeClr val="tx1"/>
+        </a:solidFill>
+        <a:latin typeface="+mn-lt"/>
+        <a:ea typeface="+mn-ea"/>
+        <a:cs typeface="+mn-cs"/>
+      </a:defRPr>
+    </a:lvl5pPr>
+    <a:lvl6pPr marL="2286000" algn="l" defTabSz="914400" rtl="0" eaLnBrk="1" latinLnBrk="0" hangingPunct="1">
+      <a:defRPr sz="1200" kern="1200">
+        <a:solidFill>
+          <a:schemeClr val="tx1"/>
+        </a:solidFill>
+        <a:latin typeface="+mn-lt"/>
+        <a:ea typeface="+mn-ea"/>
+        <a:cs typeface="+mn-cs"/>
+      </a:defRPr>
+    </a:lvl6pPr>
+    <a:lvl7pPr marL="2743200" algn="l" defTabSz="914400" rtl="0" eaLnBrk="1" latinLnBrk="0" hangingPunct="1">
+      <a:defRPr sz="1200" kern="1200">
+        <a:solidFill>
+          <a:schemeClr val="tx1"/>
+        </a:solidFill>
+        <a:latin typeface="+mn-lt"/>
+        <a:ea typeface="+mn-ea"/>
+        <a:cs typeface="+mn-cs"/>
+      </a:defRPr>
+    </a:lvl7pPr>
+    <a:lvl8pPr marL="3200400" algn="l" defTabSz="914400" rtl="0" eaLnBrk="1" latinLnBrk="0" hangingPunct="1">
+      <a:defRPr sz="1200" kern="1200">
+        <a:solidFill>
+          <a:schemeClr val="tx1"/>
+        </a:solidFill>
+        <a:latin typeface="+mn-lt"/>
+        <a:ea typeface="+mn-ea"/>
+        <a:cs typeface="+mn-cs"/>
+      </a:defRPr>
+    </a:lvl8pPr>
+    <a:lvl9pPr marL="3657600" algn="l" defTabSz="914400" rtl="0" eaLnBrk="1" latinLnBrk="0" hangingPunct="1">
+      <a:defRPr sz="1200" kern="1200">
+        <a:solidFill>
+          <a:schemeClr val="tx1"/>
+        </a:solidFill>
+        <a:latin typeface="+mn-lt"/>
+        <a:ea typeface="+mn-ea"/>
+        <a:cs typeface="+mn-cs"/>
+      </a:defRPr>
+    </a:lvl9pPr>
+  </p:notesStyle>
+</p:notesMaster>
+</file>
+
+<file path=ppt/notesSlides/notesSlide1.xml><?xml version="1.0" encoding="utf-8"?>
+<p:notes xmlns:a="http://schemas.openxmlformats.org/drawingml/2006/main" xmlns:r="http://schemas.openxmlformats.org/officeDocument/2006/relationships" xmlns:p="http://schemas.openxmlformats.org/presentationml/2006/main">
+  <p:cSld>
+    <p:spTree>
+      <p:nvGrpSpPr>
+        <p:cNvPr id="1" name=""/>
+        <p:cNvGrpSpPr/>
+        <p:nvPr/>
+      </p:nvGrpSpPr>
+      <p:grpSpPr>
+        <a:xfrm>
+          <a:off x="0" y="0"/>
+          <a:ext cx="0" cy="0"/>
+          <a:chOff x="0" y="0"/>
+          <a:chExt cx="0" cy="0"/>
+        </a:xfrm>
+      </p:grpSpPr>
+      <p:sp>
+        <p:nvSpPr>
+          <p:cNvPr id="2" name="Образ слайда 1"/>
+          <p:cNvSpPr>
+            <a:spLocks noGrp="1" noRot="1" noChangeAspect="1"/>
+          </p:cNvSpPr>
+          <p:nvPr>
+            <p:ph type="sldImg"/>
+          </p:nvPr>
+        </p:nvSpPr>
+        <p:spPr/>
+      </p:sp>
+      <p:sp>
+        <p:nvSpPr>
+          <p:cNvPr id="3" name="Заметки 2"/>
+          <p:cNvSpPr>
+            <a:spLocks noGrp="1"/>
+          </p:cNvSpPr>
+          <p:nvPr>
+            <p:ph type="body" idx="1"/>
+          </p:nvPr>
+        </p:nvSpPr>
+        <p:spPr/>
+        <p:txBody>
+          <a:bodyPr/>
+          <a:lstStyle/>
+          <a:p>
+            <a:endParaRPr lang="ru-RU" dirty="0"/>
+          </a:p>
+        </p:txBody>
+      </p:sp>
+      <p:sp>
+        <p:nvSpPr>
+          <p:cNvPr id="4" name="Номер слайда 3"/>
+          <p:cNvSpPr>
+            <a:spLocks noGrp="1"/>
+          </p:cNvSpPr>
+          <p:nvPr>
+            <p:ph type="sldNum" sz="quarter" idx="10"/>
+          </p:nvPr>
+        </p:nvSpPr>
+        <p:spPr/>
+        <p:txBody>
+          <a:bodyPr/>
+          <a:lstStyle/>
+          <a:p>
+            <a:fld id="{5CE99157-D6CE-4201-A695-6D7E49A2DA5F}" type="slidenum">
+              <a:rPr lang="ru-RU" smtClean="0"/>
+              <a:t>4</a:t>
+            </a:fld>
+            <a:endParaRPr lang="ru-RU"/>
+          </a:p>
+        </p:txBody>
+      </p:sp>
+    </p:spTree>
+    <p:extLst>
+      <p:ext uri="{BB962C8B-B14F-4D97-AF65-F5344CB8AC3E}">
+        <p14:creationId xmlns:p14="http://schemas.microsoft.com/office/powerpoint/2010/main" val="3374765870"/>
+      </p:ext>
+    </p:extLst>
+  </p:cSld>
+  <p:clrMapOvr>
+    <a:masterClrMapping/>
+  </p:clrMapOvr>
+</p:notes>
 </file>
 
 <file path=ppt/slideLayouts/slideLayout1.xml><?xml version="1.0" encoding="utf-8"?>
@@ -3186,19 +3631,7 @@
                   </a:outerShdw>
                 </a:effectLst>
               </a:rPr>
-              <a:t>Frontend 10</a:t>
-            </a:r>
-            <a:r>
-              <a:rPr lang="ru-RU" b="1" dirty="0" smtClean="0">
-                <a:effectLst>
-                  <a:outerShdw blurRad="38100" dist="38100" dir="2700000" algn="tl">
-                    <a:srgbClr val="000000">
-                      <a:alpha val="43137"/>
-                    </a:srgbClr>
-                  </a:outerShdw>
-                </a:effectLst>
-              </a:rPr>
-              <a:t>1</a:t>
+              <a:t>Frontend 101</a:t>
             </a:r>
             <a:endParaRPr lang="ru-RU" sz="6000" b="1" dirty="0">
               <a:effectLst>
@@ -3273,10 +3706,26 @@
           <a:lstStyle/>
           <a:p>
             <a:r>
-              <a:rPr lang="ru-RU" dirty="0" smtClean="0"/>
+              <a:rPr lang="ru-RU" dirty="0" smtClean="0">
+                <a:effectLst>
+                  <a:outerShdw blurRad="38100" dist="38100" dir="2700000" algn="tl">
+                    <a:srgbClr val="000000">
+                      <a:alpha val="43137"/>
+                    </a:srgbClr>
+                  </a:outerShdw>
+                </a:effectLst>
+              </a:rPr>
               <a:t>Основные тэги</a:t>
             </a:r>
-            <a:endParaRPr lang="ru-RU" dirty="0"/>
+            <a:endParaRPr lang="ru-RU" dirty="0">
+              <a:effectLst>
+                <a:outerShdw blurRad="38100" dist="38100" dir="2700000" algn="tl">
+                  <a:srgbClr val="000000">
+                    <a:alpha val="43137"/>
+                  </a:srgbClr>
+                </a:outerShdw>
+              </a:effectLst>
+            </a:endParaRPr>
           </a:p>
         </p:txBody>
       </p:sp>
@@ -3437,14 +3886,38 @@
           <a:lstStyle/>
           <a:p>
             <a:r>
-              <a:rPr lang="ru-RU" dirty="0" smtClean="0"/>
+              <a:rPr lang="ru-RU" dirty="0" smtClean="0">
+                <a:effectLst>
+                  <a:outerShdw blurRad="38100" dist="38100" dir="2700000" algn="tl">
+                    <a:srgbClr val="000000">
+                      <a:alpha val="43137"/>
+                    </a:srgbClr>
+                  </a:outerShdw>
+                </a:effectLst>
+              </a:rPr>
               <a:t>Основные тэги: </a:t>
             </a:r>
             <a:r>
-              <a:rPr lang="en-US" dirty="0" smtClean="0"/>
+              <a:rPr lang="en-US" dirty="0" smtClean="0">
+                <a:effectLst>
+                  <a:outerShdw blurRad="38100" dist="38100" dir="2700000" algn="tl">
+                    <a:srgbClr val="000000">
+                      <a:alpha val="43137"/>
+                    </a:srgbClr>
+                  </a:outerShdw>
+                </a:effectLst>
+              </a:rPr>
               <a:t>div</a:t>
             </a:r>
-            <a:endParaRPr lang="ru-RU" dirty="0"/>
+            <a:endParaRPr lang="ru-RU" dirty="0">
+              <a:effectLst>
+                <a:outerShdw blurRad="38100" dist="38100" dir="2700000" algn="tl">
+                  <a:srgbClr val="000000">
+                    <a:alpha val="43137"/>
+                  </a:srgbClr>
+                </a:outerShdw>
+              </a:effectLst>
+            </a:endParaRPr>
           </a:p>
         </p:txBody>
       </p:sp>
@@ -3477,6 +3950,73 @@
           </a:xfrm>
         </p:spPr>
       </p:pic>
+      <p:sp>
+        <p:nvSpPr>
+          <p:cNvPr id="5" name="TextBox 4"/>
+          <p:cNvSpPr txBox="1"/>
+          <p:nvPr/>
+        </p:nvSpPr>
+        <p:spPr>
+          <a:xfrm>
+            <a:off x="179510" y="6477559"/>
+            <a:ext cx="2316660" cy="261610"/>
+          </a:xfrm>
+          <a:prstGeom prst="rect">
+            <a:avLst/>
+          </a:prstGeom>
+        </p:spPr>
+        <p:style>
+          <a:lnRef idx="3">
+            <a:schemeClr val="lt1"/>
+          </a:lnRef>
+          <a:fillRef idx="1">
+            <a:schemeClr val="accent1"/>
+          </a:fillRef>
+          <a:effectRef idx="1">
+            <a:schemeClr val="accent1"/>
+          </a:effectRef>
+          <a:fontRef idx="minor">
+            <a:schemeClr val="lt1"/>
+          </a:fontRef>
+        </p:style>
+        <p:txBody>
+          <a:bodyPr wrap="none" rtlCol="0">
+            <a:spAutoFit/>
+          </a:bodyPr>
+          <a:lstStyle/>
+          <a:p>
+            <a:r>
+              <a:rPr lang="en-US" sz="1100" dirty="0" smtClean="0"/>
+              <a:t>FRONTEND </a:t>
+            </a:r>
+            <a:r>
+              <a:rPr lang="ru-RU" sz="1100" dirty="0" smtClean="0"/>
+              <a:t>101</a:t>
+            </a:r>
+            <a:r>
+              <a:rPr lang="en-US" sz="1100" dirty="0" smtClean="0"/>
+              <a:t> </a:t>
+            </a:r>
+            <a:r>
+              <a:rPr lang="ru-RU" sz="1100" dirty="0" smtClean="0"/>
+              <a:t>–</a:t>
+            </a:r>
+            <a:r>
+              <a:rPr lang="en-US" sz="1100" dirty="0" smtClean="0"/>
+              <a:t> </a:t>
+            </a:r>
+            <a:r>
+              <a:rPr lang="ru-RU" sz="1100" dirty="0" smtClean="0"/>
+              <a:t>ВВЕДЕНИЕ В </a:t>
+            </a:r>
+            <a:r>
+              <a:rPr lang="en-US" sz="1100" dirty="0" smtClean="0"/>
+              <a:t>HTML</a:t>
+            </a:r>
+            <a:endParaRPr lang="ru-RU" sz="1100" dirty="0"/>
+          </a:p>
+        </p:txBody>
+      </p:sp>
     </p:spTree>
     <p:extLst>
       <p:ext uri="{BB962C8B-B14F-4D97-AF65-F5344CB8AC3E}">
@@ -3494,6 +4034,888 @@
       </p:par>
     </p:tnLst>
   </p:timing>
+</p:sld>
+</file>
+
+<file path=ppt/slides/slide12.xml><?xml version="1.0" encoding="utf-8"?>
+<p:sld xmlns:a="http://schemas.openxmlformats.org/drawingml/2006/main" xmlns:r="http://schemas.openxmlformats.org/officeDocument/2006/relationships" xmlns:p="http://schemas.openxmlformats.org/presentationml/2006/main">
+  <p:cSld>
+    <p:bg>
+      <p:bgPr>
+        <a:solidFill>
+          <a:srgbClr val="8BC34A"/>
+        </a:solidFill>
+        <a:effectLst/>
+      </p:bgPr>
+    </p:bg>
+    <p:spTree>
+      <p:nvGrpSpPr>
+        <p:cNvPr id="1" name=""/>
+        <p:cNvGrpSpPr/>
+        <p:nvPr/>
+      </p:nvGrpSpPr>
+      <p:grpSpPr>
+        <a:xfrm>
+          <a:off x="0" y="0"/>
+          <a:ext cx="0" cy="0"/>
+          <a:chOff x="0" y="0"/>
+          <a:chExt cx="0" cy="0"/>
+        </a:xfrm>
+      </p:grpSpPr>
+      <p:sp>
+        <p:nvSpPr>
+          <p:cNvPr id="2" name="Заголовок 1"/>
+          <p:cNvSpPr>
+            <a:spLocks noGrp="1"/>
+          </p:cNvSpPr>
+          <p:nvPr>
+            <p:ph type="title"/>
+          </p:nvPr>
+        </p:nvSpPr>
+        <p:spPr/>
+        <p:txBody>
+          <a:bodyPr/>
+          <a:lstStyle/>
+          <a:p>
+            <a:r>
+              <a:rPr lang="ru-RU" dirty="0" smtClean="0">
+                <a:effectLst>
+                  <a:outerShdw blurRad="38100" dist="38100" dir="2700000" algn="tl">
+                    <a:srgbClr val="000000">
+                      <a:alpha val="43137"/>
+                    </a:srgbClr>
+                  </a:outerShdw>
+                </a:effectLst>
+              </a:rPr>
+              <a:t>Одиночные и парные тэги</a:t>
+            </a:r>
+            <a:endParaRPr lang="ru-RU" dirty="0">
+              <a:effectLst>
+                <a:outerShdw blurRad="38100" dist="38100" dir="2700000" algn="tl">
+                  <a:srgbClr val="000000">
+                    <a:alpha val="43137"/>
+                  </a:srgbClr>
+                </a:outerShdw>
+              </a:effectLst>
+            </a:endParaRPr>
+          </a:p>
+        </p:txBody>
+      </p:sp>
+      <p:pic>
+        <p:nvPicPr>
+          <p:cNvPr id="4" name="Объект 3"/>
+          <p:cNvPicPr>
+            <a:picLocks noGrp="1" noChangeAspect="1"/>
+          </p:cNvPicPr>
+          <p:nvPr>
+            <p:ph idx="1"/>
+          </p:nvPr>
+        </p:nvPicPr>
+        <p:blipFill>
+          <a:blip r:embed="rId2">
+            <a:extLst>
+              <a:ext uri="{28A0092B-C50C-407E-A947-70E740481C1C}">
+                <a14:useLocalDpi xmlns:a14="http://schemas.microsoft.com/office/drawing/2010/main" val="0"/>
+              </a:ext>
+            </a:extLst>
+          </a:blip>
+          <a:stretch>
+            <a:fillRect/>
+          </a:stretch>
+        </p:blipFill>
+        <p:spPr>
+          <a:xfrm>
+            <a:off x="951229" y="1600200"/>
+            <a:ext cx="7241541" cy="4525963"/>
+          </a:xfrm>
+        </p:spPr>
+      </p:pic>
+      <p:sp>
+        <p:nvSpPr>
+          <p:cNvPr id="5" name="TextBox 4"/>
+          <p:cNvSpPr txBox="1"/>
+          <p:nvPr/>
+        </p:nvSpPr>
+        <p:spPr>
+          <a:xfrm>
+            <a:off x="179510" y="6477559"/>
+            <a:ext cx="2316660" cy="261610"/>
+          </a:xfrm>
+          <a:prstGeom prst="rect">
+            <a:avLst/>
+          </a:prstGeom>
+        </p:spPr>
+        <p:style>
+          <a:lnRef idx="3">
+            <a:schemeClr val="lt1"/>
+          </a:lnRef>
+          <a:fillRef idx="1">
+            <a:schemeClr val="accent1"/>
+          </a:fillRef>
+          <a:effectRef idx="1">
+            <a:schemeClr val="accent1"/>
+          </a:effectRef>
+          <a:fontRef idx="minor">
+            <a:schemeClr val="lt1"/>
+          </a:fontRef>
+        </p:style>
+        <p:txBody>
+          <a:bodyPr wrap="none" rtlCol="0">
+            <a:spAutoFit/>
+          </a:bodyPr>
+          <a:lstStyle/>
+          <a:p>
+            <a:r>
+              <a:rPr lang="en-US" sz="1100" dirty="0" smtClean="0"/>
+              <a:t>FRONTEND </a:t>
+            </a:r>
+            <a:r>
+              <a:rPr lang="ru-RU" sz="1100" dirty="0" smtClean="0"/>
+              <a:t>101</a:t>
+            </a:r>
+            <a:r>
+              <a:rPr lang="en-US" sz="1100" dirty="0" smtClean="0"/>
+              <a:t> </a:t>
+            </a:r>
+            <a:r>
+              <a:rPr lang="ru-RU" sz="1100" dirty="0" smtClean="0"/>
+              <a:t>–</a:t>
+            </a:r>
+            <a:r>
+              <a:rPr lang="en-US" sz="1100" dirty="0" smtClean="0"/>
+              <a:t> </a:t>
+            </a:r>
+            <a:r>
+              <a:rPr lang="ru-RU" sz="1100" dirty="0" smtClean="0"/>
+              <a:t>ВВЕДЕНИЕ В </a:t>
+            </a:r>
+            <a:r>
+              <a:rPr lang="en-US" sz="1100" dirty="0" smtClean="0"/>
+              <a:t>HTML</a:t>
+            </a:r>
+            <a:endParaRPr lang="ru-RU" sz="1100" dirty="0"/>
+          </a:p>
+        </p:txBody>
+      </p:sp>
+    </p:spTree>
+    <p:extLst>
+      <p:ext uri="{BB962C8B-B14F-4D97-AF65-F5344CB8AC3E}">
+        <p14:creationId xmlns:p14="http://schemas.microsoft.com/office/powerpoint/2010/main" val="2266232242"/>
+      </p:ext>
+    </p:extLst>
+  </p:cSld>
+  <p:clrMapOvr>
+    <a:masterClrMapping/>
+  </p:clrMapOvr>
+</p:sld>
+</file>
+
+<file path=ppt/slides/slide13.xml><?xml version="1.0" encoding="utf-8"?>
+<p:sld xmlns:a="http://schemas.openxmlformats.org/drawingml/2006/main" xmlns:r="http://schemas.openxmlformats.org/officeDocument/2006/relationships" xmlns:p="http://schemas.openxmlformats.org/presentationml/2006/main">
+  <p:cSld>
+    <p:bg>
+      <p:bgPr>
+        <a:solidFill>
+          <a:srgbClr val="8BC34A"/>
+        </a:solidFill>
+        <a:effectLst/>
+      </p:bgPr>
+    </p:bg>
+    <p:spTree>
+      <p:nvGrpSpPr>
+        <p:cNvPr id="1" name=""/>
+        <p:cNvGrpSpPr/>
+        <p:nvPr/>
+      </p:nvGrpSpPr>
+      <p:grpSpPr>
+        <a:xfrm>
+          <a:off x="0" y="0"/>
+          <a:ext cx="0" cy="0"/>
+          <a:chOff x="0" y="0"/>
+          <a:chExt cx="0" cy="0"/>
+        </a:xfrm>
+      </p:grpSpPr>
+      <p:sp>
+        <p:nvSpPr>
+          <p:cNvPr id="2" name="Заголовок 1"/>
+          <p:cNvSpPr>
+            <a:spLocks noGrp="1"/>
+          </p:cNvSpPr>
+          <p:nvPr>
+            <p:ph type="title"/>
+          </p:nvPr>
+        </p:nvSpPr>
+        <p:spPr/>
+        <p:txBody>
+          <a:bodyPr/>
+          <a:lstStyle/>
+          <a:p>
+            <a:r>
+              <a:rPr lang="ru-RU" dirty="0" smtClean="0">
+                <a:effectLst>
+                  <a:outerShdw blurRad="38100" dist="38100" dir="2700000" algn="tl">
+                    <a:srgbClr val="000000">
+                      <a:alpha val="43137"/>
+                    </a:srgbClr>
+                  </a:outerShdw>
+                </a:effectLst>
+              </a:rPr>
+              <a:t>Парные тэги</a:t>
+            </a:r>
+            <a:endParaRPr lang="ru-RU" dirty="0">
+              <a:effectLst>
+                <a:outerShdw blurRad="38100" dist="38100" dir="2700000" algn="tl">
+                  <a:srgbClr val="000000">
+                    <a:alpha val="43137"/>
+                  </a:srgbClr>
+                </a:outerShdw>
+              </a:effectLst>
+            </a:endParaRPr>
+          </a:p>
+        </p:txBody>
+      </p:sp>
+      <p:pic>
+        <p:nvPicPr>
+          <p:cNvPr id="4" name="Объект 3"/>
+          <p:cNvPicPr>
+            <a:picLocks noGrp="1" noChangeAspect="1"/>
+          </p:cNvPicPr>
+          <p:nvPr>
+            <p:ph idx="1"/>
+          </p:nvPr>
+        </p:nvPicPr>
+        <p:blipFill>
+          <a:blip r:embed="rId2">
+            <a:extLst>
+              <a:ext uri="{28A0092B-C50C-407E-A947-70E740481C1C}">
+                <a14:useLocalDpi xmlns:a14="http://schemas.microsoft.com/office/drawing/2010/main" val="0"/>
+              </a:ext>
+            </a:extLst>
+          </a:blip>
+          <a:stretch>
+            <a:fillRect/>
+          </a:stretch>
+        </p:blipFill>
+        <p:spPr>
+          <a:xfrm>
+            <a:off x="951229" y="1600200"/>
+            <a:ext cx="7241541" cy="4525963"/>
+          </a:xfrm>
+        </p:spPr>
+      </p:pic>
+      <p:sp>
+        <p:nvSpPr>
+          <p:cNvPr id="5" name="TextBox 4"/>
+          <p:cNvSpPr txBox="1"/>
+          <p:nvPr/>
+        </p:nvSpPr>
+        <p:spPr>
+          <a:xfrm>
+            <a:off x="179510" y="6477559"/>
+            <a:ext cx="2316660" cy="261610"/>
+          </a:xfrm>
+          <a:prstGeom prst="rect">
+            <a:avLst/>
+          </a:prstGeom>
+        </p:spPr>
+        <p:style>
+          <a:lnRef idx="3">
+            <a:schemeClr val="lt1"/>
+          </a:lnRef>
+          <a:fillRef idx="1">
+            <a:schemeClr val="accent1"/>
+          </a:fillRef>
+          <a:effectRef idx="1">
+            <a:schemeClr val="accent1"/>
+          </a:effectRef>
+          <a:fontRef idx="minor">
+            <a:schemeClr val="lt1"/>
+          </a:fontRef>
+        </p:style>
+        <p:txBody>
+          <a:bodyPr wrap="none" rtlCol="0">
+            <a:spAutoFit/>
+          </a:bodyPr>
+          <a:lstStyle/>
+          <a:p>
+            <a:r>
+              <a:rPr lang="en-US" sz="1100" dirty="0" smtClean="0"/>
+              <a:t>FRONTEND </a:t>
+            </a:r>
+            <a:r>
+              <a:rPr lang="ru-RU" sz="1100" dirty="0" smtClean="0"/>
+              <a:t>101</a:t>
+            </a:r>
+            <a:r>
+              <a:rPr lang="en-US" sz="1100" dirty="0" smtClean="0"/>
+              <a:t> </a:t>
+            </a:r>
+            <a:r>
+              <a:rPr lang="ru-RU" sz="1100" dirty="0" smtClean="0"/>
+              <a:t>–</a:t>
+            </a:r>
+            <a:r>
+              <a:rPr lang="en-US" sz="1100" dirty="0" smtClean="0"/>
+              <a:t> </a:t>
+            </a:r>
+            <a:r>
+              <a:rPr lang="ru-RU" sz="1100" dirty="0" smtClean="0"/>
+              <a:t>ВВЕДЕНИЕ В </a:t>
+            </a:r>
+            <a:r>
+              <a:rPr lang="en-US" sz="1100" dirty="0" smtClean="0"/>
+              <a:t>HTML</a:t>
+            </a:r>
+            <a:endParaRPr lang="ru-RU" sz="1100" dirty="0"/>
+          </a:p>
+        </p:txBody>
+      </p:sp>
+    </p:spTree>
+    <p:extLst>
+      <p:ext uri="{BB962C8B-B14F-4D97-AF65-F5344CB8AC3E}">
+        <p14:creationId xmlns:p14="http://schemas.microsoft.com/office/powerpoint/2010/main" val="4210013334"/>
+      </p:ext>
+    </p:extLst>
+  </p:cSld>
+  <p:clrMapOvr>
+    <a:masterClrMapping/>
+  </p:clrMapOvr>
+</p:sld>
+</file>
+
+<file path=ppt/slides/slide14.xml><?xml version="1.0" encoding="utf-8"?>
+<p:sld xmlns:a="http://schemas.openxmlformats.org/drawingml/2006/main" xmlns:r="http://schemas.openxmlformats.org/officeDocument/2006/relationships" xmlns:p="http://schemas.openxmlformats.org/presentationml/2006/main">
+  <p:cSld>
+    <p:bg>
+      <p:bgPr>
+        <a:solidFill>
+          <a:srgbClr val="8BC34A"/>
+        </a:solidFill>
+        <a:effectLst/>
+      </p:bgPr>
+    </p:bg>
+    <p:spTree>
+      <p:nvGrpSpPr>
+        <p:cNvPr id="1" name=""/>
+        <p:cNvGrpSpPr/>
+        <p:nvPr/>
+      </p:nvGrpSpPr>
+      <p:grpSpPr>
+        <a:xfrm>
+          <a:off x="0" y="0"/>
+          <a:ext cx="0" cy="0"/>
+          <a:chOff x="0" y="0"/>
+          <a:chExt cx="0" cy="0"/>
+        </a:xfrm>
+      </p:grpSpPr>
+      <p:sp>
+        <p:nvSpPr>
+          <p:cNvPr id="2" name="Заголовок 1"/>
+          <p:cNvSpPr>
+            <a:spLocks noGrp="1"/>
+          </p:cNvSpPr>
+          <p:nvPr>
+            <p:ph type="title"/>
+          </p:nvPr>
+        </p:nvSpPr>
+        <p:spPr/>
+        <p:txBody>
+          <a:bodyPr/>
+          <a:lstStyle/>
+          <a:p>
+            <a:r>
+              <a:rPr lang="ru-RU" dirty="0" smtClean="0">
+                <a:effectLst>
+                  <a:outerShdw blurRad="38100" dist="38100" dir="2700000" algn="tl">
+                    <a:srgbClr val="000000">
+                      <a:alpha val="43137"/>
+                    </a:srgbClr>
+                  </a:outerShdw>
+                </a:effectLst>
+              </a:rPr>
+              <a:t>Блочные и строчные тэги</a:t>
+            </a:r>
+            <a:endParaRPr lang="ru-RU" dirty="0">
+              <a:effectLst>
+                <a:outerShdw blurRad="38100" dist="38100" dir="2700000" algn="tl">
+                  <a:srgbClr val="000000">
+                    <a:alpha val="43137"/>
+                  </a:srgbClr>
+                </a:outerShdw>
+              </a:effectLst>
+            </a:endParaRPr>
+          </a:p>
+        </p:txBody>
+      </p:sp>
+      <p:pic>
+        <p:nvPicPr>
+          <p:cNvPr id="4" name="Объект 3"/>
+          <p:cNvPicPr>
+            <a:picLocks noGrp="1" noChangeAspect="1"/>
+          </p:cNvPicPr>
+          <p:nvPr>
+            <p:ph idx="1"/>
+          </p:nvPr>
+        </p:nvPicPr>
+        <p:blipFill>
+          <a:blip r:embed="rId2">
+            <a:extLst>
+              <a:ext uri="{28A0092B-C50C-407E-A947-70E740481C1C}">
+                <a14:useLocalDpi xmlns:a14="http://schemas.microsoft.com/office/drawing/2010/main" val="0"/>
+              </a:ext>
+            </a:extLst>
+          </a:blip>
+          <a:stretch>
+            <a:fillRect/>
+          </a:stretch>
+        </p:blipFill>
+        <p:spPr>
+          <a:xfrm>
+            <a:off x="951229" y="1600200"/>
+            <a:ext cx="7241541" cy="4525963"/>
+          </a:xfrm>
+        </p:spPr>
+      </p:pic>
+      <p:sp>
+        <p:nvSpPr>
+          <p:cNvPr id="5" name="TextBox 4"/>
+          <p:cNvSpPr txBox="1"/>
+          <p:nvPr/>
+        </p:nvSpPr>
+        <p:spPr>
+          <a:xfrm>
+            <a:off x="179510" y="6477559"/>
+            <a:ext cx="2316660" cy="261610"/>
+          </a:xfrm>
+          <a:prstGeom prst="rect">
+            <a:avLst/>
+          </a:prstGeom>
+        </p:spPr>
+        <p:style>
+          <a:lnRef idx="3">
+            <a:schemeClr val="lt1"/>
+          </a:lnRef>
+          <a:fillRef idx="1">
+            <a:schemeClr val="accent1"/>
+          </a:fillRef>
+          <a:effectRef idx="1">
+            <a:schemeClr val="accent1"/>
+          </a:effectRef>
+          <a:fontRef idx="minor">
+            <a:schemeClr val="lt1"/>
+          </a:fontRef>
+        </p:style>
+        <p:txBody>
+          <a:bodyPr wrap="none" rtlCol="0">
+            <a:spAutoFit/>
+          </a:bodyPr>
+          <a:lstStyle/>
+          <a:p>
+            <a:r>
+              <a:rPr lang="en-US" sz="1100" dirty="0" smtClean="0"/>
+              <a:t>FRONTEND </a:t>
+            </a:r>
+            <a:r>
+              <a:rPr lang="ru-RU" sz="1100" dirty="0" smtClean="0"/>
+              <a:t>101</a:t>
+            </a:r>
+            <a:r>
+              <a:rPr lang="en-US" sz="1100" dirty="0" smtClean="0"/>
+              <a:t> </a:t>
+            </a:r>
+            <a:r>
+              <a:rPr lang="ru-RU" sz="1100" dirty="0" smtClean="0"/>
+              <a:t>–</a:t>
+            </a:r>
+            <a:r>
+              <a:rPr lang="en-US" sz="1100" dirty="0" smtClean="0"/>
+              <a:t> </a:t>
+            </a:r>
+            <a:r>
+              <a:rPr lang="ru-RU" sz="1100" dirty="0" smtClean="0"/>
+              <a:t>ВВЕДЕНИЕ В </a:t>
+            </a:r>
+            <a:r>
+              <a:rPr lang="en-US" sz="1100" dirty="0" smtClean="0"/>
+              <a:t>HTML</a:t>
+            </a:r>
+            <a:endParaRPr lang="ru-RU" sz="1100" dirty="0"/>
+          </a:p>
+        </p:txBody>
+      </p:sp>
+    </p:spTree>
+    <p:extLst>
+      <p:ext uri="{BB962C8B-B14F-4D97-AF65-F5344CB8AC3E}">
+        <p14:creationId xmlns:p14="http://schemas.microsoft.com/office/powerpoint/2010/main" val="123651607"/>
+      </p:ext>
+    </p:extLst>
+  </p:cSld>
+  <p:clrMapOvr>
+    <a:masterClrMapping/>
+  </p:clrMapOvr>
+</p:sld>
+</file>
+
+<file path=ppt/slides/slide15.xml><?xml version="1.0" encoding="utf-8"?>
+<p:sld xmlns:a="http://schemas.openxmlformats.org/drawingml/2006/main" xmlns:r="http://schemas.openxmlformats.org/officeDocument/2006/relationships" xmlns:p="http://schemas.openxmlformats.org/presentationml/2006/main">
+  <p:cSld>
+    <p:bg>
+      <p:bgPr>
+        <a:solidFill>
+          <a:srgbClr val="8BC34A"/>
+        </a:solidFill>
+        <a:effectLst/>
+      </p:bgPr>
+    </p:bg>
+    <p:spTree>
+      <p:nvGrpSpPr>
+        <p:cNvPr id="1" name=""/>
+        <p:cNvGrpSpPr/>
+        <p:nvPr/>
+      </p:nvGrpSpPr>
+      <p:grpSpPr>
+        <a:xfrm>
+          <a:off x="0" y="0"/>
+          <a:ext cx="0" cy="0"/>
+          <a:chOff x="0" y="0"/>
+          <a:chExt cx="0" cy="0"/>
+        </a:xfrm>
+      </p:grpSpPr>
+      <p:sp>
+        <p:nvSpPr>
+          <p:cNvPr id="2" name="Заголовок 1"/>
+          <p:cNvSpPr>
+            <a:spLocks noGrp="1"/>
+          </p:cNvSpPr>
+          <p:nvPr>
+            <p:ph type="title"/>
+          </p:nvPr>
+        </p:nvSpPr>
+        <p:spPr/>
+        <p:txBody>
+          <a:bodyPr/>
+          <a:lstStyle/>
+          <a:p>
+            <a:r>
+              <a:rPr lang="ru-RU" dirty="0" smtClean="0">
+                <a:effectLst>
+                  <a:outerShdw blurRad="38100" dist="38100" dir="2700000" algn="tl">
+                    <a:srgbClr val="000000">
+                      <a:alpha val="43137"/>
+                    </a:srgbClr>
+                  </a:outerShdw>
+                </a:effectLst>
+              </a:rPr>
+              <a:t>Домашнее задание</a:t>
+            </a:r>
+            <a:endParaRPr lang="ru-RU" dirty="0">
+              <a:effectLst>
+                <a:outerShdw blurRad="38100" dist="38100" dir="2700000" algn="tl">
+                  <a:srgbClr val="000000">
+                    <a:alpha val="43137"/>
+                  </a:srgbClr>
+                </a:outerShdw>
+              </a:effectLst>
+            </a:endParaRPr>
+          </a:p>
+        </p:txBody>
+      </p:sp>
+      <p:sp>
+        <p:nvSpPr>
+          <p:cNvPr id="3" name="Объект 2"/>
+          <p:cNvSpPr>
+            <a:spLocks noGrp="1"/>
+          </p:cNvSpPr>
+          <p:nvPr>
+            <p:ph idx="1"/>
+          </p:nvPr>
+        </p:nvSpPr>
+        <p:spPr/>
+        <p:txBody>
+          <a:bodyPr>
+            <a:normAutofit fontScale="70000" lnSpcReduction="20000"/>
+          </a:bodyPr>
+          <a:lstStyle/>
+          <a:p>
+            <a:r>
+              <a:rPr lang="ru-RU" dirty="0" smtClean="0"/>
+              <a:t>1. Разбить на компоненты 10 карточек</a:t>
+            </a:r>
+            <a:r>
+              <a:rPr lang="en-US" dirty="0" smtClean="0"/>
+              <a:t> (</a:t>
+            </a:r>
+            <a:r>
+              <a:rPr lang="ru-RU" dirty="0" smtClean="0"/>
+              <a:t>желтый </a:t>
+            </a:r>
+            <a:r>
+              <a:rPr lang="en-US" dirty="0" smtClean="0"/>
+              <a:t>div, </a:t>
+            </a:r>
+            <a:r>
+              <a:rPr lang="ru-RU" dirty="0" smtClean="0"/>
+              <a:t>красный </a:t>
+            </a:r>
+            <a:r>
+              <a:rPr lang="en-US" dirty="0" smtClean="0"/>
+              <a:t>p, </a:t>
+            </a:r>
+            <a:r>
+              <a:rPr lang="ru-RU" dirty="0" smtClean="0"/>
+              <a:t>зелёный </a:t>
+            </a:r>
+            <a:r>
+              <a:rPr lang="en-US" dirty="0" err="1" smtClean="0"/>
+              <a:t>img</a:t>
+            </a:r>
+            <a:r>
+              <a:rPr lang="en-US" dirty="0" smtClean="0"/>
+              <a:t>, </a:t>
+            </a:r>
+            <a:r>
+              <a:rPr lang="ru-RU" dirty="0" smtClean="0"/>
+              <a:t>голубой </a:t>
+            </a:r>
+            <a:r>
+              <a:rPr lang="en-US" dirty="0" smtClean="0"/>
+              <a:t>a, </a:t>
+            </a:r>
+            <a:r>
+              <a:rPr lang="ru-RU" dirty="0" smtClean="0"/>
+              <a:t>фиолетовый </a:t>
+            </a:r>
+            <a:r>
+              <a:rPr lang="en-US" dirty="0" smtClean="0"/>
+              <a:t>span, </a:t>
+            </a:r>
+            <a:r>
+              <a:rPr lang="ru-RU" dirty="0" smtClean="0"/>
+              <a:t>черный </a:t>
+            </a:r>
+            <a:r>
+              <a:rPr lang="en-US" dirty="0" smtClean="0"/>
+              <a:t>h1-h6).</a:t>
+            </a:r>
+          </a:p>
+          <a:p>
+            <a:r>
+              <a:rPr lang="en-US" dirty="0" smtClean="0"/>
+              <a:t>2.</a:t>
+            </a:r>
+            <a:r>
+              <a:rPr lang="ru-RU" dirty="0" smtClean="0"/>
+              <a:t> Создать разметку каталога товаров:</a:t>
+            </a:r>
+          </a:p>
+          <a:p>
+            <a:pPr lvl="1"/>
+            <a:r>
+              <a:rPr lang="ru-RU" dirty="0" smtClean="0"/>
+              <a:t>Название каталога </a:t>
+            </a:r>
+            <a:r>
+              <a:rPr lang="en-US" dirty="0" smtClean="0"/>
+              <a:t>h1</a:t>
+            </a:r>
+          </a:p>
+          <a:p>
+            <a:pPr lvl="1"/>
+            <a:r>
+              <a:rPr lang="ru-RU" dirty="0" smtClean="0"/>
+              <a:t>Товары – 12 </a:t>
+            </a:r>
+            <a:r>
+              <a:rPr lang="ru-RU" dirty="0" err="1" smtClean="0"/>
+              <a:t>шт</a:t>
+            </a:r>
+            <a:r>
+              <a:rPr lang="ru-RU" dirty="0" smtClean="0"/>
+              <a:t> (общий </a:t>
+            </a:r>
+            <a:r>
+              <a:rPr lang="en-US" dirty="0" smtClean="0"/>
+              <a:t>div </a:t>
+            </a:r>
+            <a:r>
+              <a:rPr lang="ru-RU" dirty="0" smtClean="0"/>
+              <a:t>для всех, каждый товар отдельный </a:t>
+            </a:r>
+            <a:r>
+              <a:rPr lang="en-US" dirty="0" smtClean="0"/>
+              <a:t>div</a:t>
+            </a:r>
+            <a:r>
+              <a:rPr lang="ru-RU" dirty="0" smtClean="0"/>
+              <a:t>)</a:t>
+            </a:r>
+            <a:endParaRPr lang="en-US" dirty="0" smtClean="0"/>
+          </a:p>
+          <a:p>
+            <a:pPr lvl="1"/>
+            <a:r>
+              <a:rPr lang="ru-RU" dirty="0" smtClean="0"/>
+              <a:t>Товар </a:t>
+            </a:r>
+            <a:r>
+              <a:rPr lang="en-US" dirty="0" smtClean="0"/>
+              <a:t>div</a:t>
+            </a:r>
+          </a:p>
+          <a:p>
+            <a:pPr lvl="1"/>
+            <a:r>
+              <a:rPr lang="ru-RU" dirty="0" smtClean="0"/>
+              <a:t>Картинка товара </a:t>
+            </a:r>
+            <a:r>
+              <a:rPr lang="en-US" dirty="0" err="1" smtClean="0"/>
+              <a:t>img</a:t>
+            </a:r>
+            <a:endParaRPr lang="en-US" dirty="0"/>
+          </a:p>
+          <a:p>
+            <a:pPr lvl="1"/>
+            <a:r>
+              <a:rPr lang="ru-RU" dirty="0" smtClean="0"/>
+              <a:t>Название товара </a:t>
+            </a:r>
+            <a:r>
+              <a:rPr lang="en-US" dirty="0" smtClean="0"/>
+              <a:t>h3</a:t>
+            </a:r>
+          </a:p>
+          <a:p>
+            <a:pPr lvl="1"/>
+            <a:r>
+              <a:rPr lang="ru-RU" dirty="0" smtClean="0"/>
+              <a:t>Краткое описание товара </a:t>
+            </a:r>
+            <a:r>
+              <a:rPr lang="en-US" dirty="0" smtClean="0"/>
+              <a:t>p</a:t>
+            </a:r>
+          </a:p>
+          <a:p>
+            <a:pPr lvl="1"/>
+            <a:r>
+              <a:rPr lang="ru-RU" dirty="0" smtClean="0"/>
+              <a:t>Краткий перечень характеристик </a:t>
+            </a:r>
+            <a:r>
+              <a:rPr lang="en-US" dirty="0" err="1" smtClean="0"/>
+              <a:t>ul</a:t>
+            </a:r>
+            <a:r>
+              <a:rPr lang="en-US" dirty="0" smtClean="0"/>
+              <a:t>, li</a:t>
+            </a:r>
+          </a:p>
+          <a:p>
+            <a:pPr lvl="1"/>
+            <a:r>
+              <a:rPr lang="ru-RU" dirty="0" smtClean="0"/>
+              <a:t>Стоимость товара </a:t>
+            </a:r>
+            <a:r>
+              <a:rPr lang="en-US" dirty="0" smtClean="0"/>
+              <a:t>p, span</a:t>
+            </a:r>
+          </a:p>
+          <a:p>
+            <a:pPr lvl="1"/>
+            <a:r>
+              <a:rPr lang="ru-RU" dirty="0" smtClean="0"/>
+              <a:t>Кнопка «В корзину» </a:t>
+            </a:r>
+            <a:r>
+              <a:rPr lang="en-US" dirty="0" smtClean="0"/>
+              <a:t>a</a:t>
+            </a:r>
+          </a:p>
+          <a:p>
+            <a:pPr lvl="1"/>
+            <a:endParaRPr lang="ru-RU" dirty="0"/>
+          </a:p>
+        </p:txBody>
+      </p:sp>
+      <p:sp>
+        <p:nvSpPr>
+          <p:cNvPr id="4" name="TextBox 3"/>
+          <p:cNvSpPr txBox="1"/>
+          <p:nvPr/>
+        </p:nvSpPr>
+        <p:spPr>
+          <a:xfrm>
+            <a:off x="179510" y="6477559"/>
+            <a:ext cx="2316660" cy="261610"/>
+          </a:xfrm>
+          <a:prstGeom prst="rect">
+            <a:avLst/>
+          </a:prstGeom>
+        </p:spPr>
+        <p:style>
+          <a:lnRef idx="3">
+            <a:schemeClr val="lt1"/>
+          </a:lnRef>
+          <a:fillRef idx="1">
+            <a:schemeClr val="accent1"/>
+          </a:fillRef>
+          <a:effectRef idx="1">
+            <a:schemeClr val="accent1"/>
+          </a:effectRef>
+          <a:fontRef idx="minor">
+            <a:schemeClr val="lt1"/>
+          </a:fontRef>
+        </p:style>
+        <p:txBody>
+          <a:bodyPr wrap="none" rtlCol="0">
+            <a:spAutoFit/>
+          </a:bodyPr>
+          <a:lstStyle/>
+          <a:p>
+            <a:r>
+              <a:rPr lang="en-US" sz="1100" dirty="0" smtClean="0"/>
+              <a:t>FRONTEND </a:t>
+            </a:r>
+            <a:r>
+              <a:rPr lang="ru-RU" sz="1100" dirty="0" smtClean="0"/>
+              <a:t>101</a:t>
+            </a:r>
+            <a:r>
+              <a:rPr lang="en-US" sz="1100" dirty="0" smtClean="0"/>
+              <a:t> </a:t>
+            </a:r>
+            <a:r>
+              <a:rPr lang="ru-RU" sz="1100" dirty="0" smtClean="0"/>
+              <a:t>–</a:t>
+            </a:r>
+            <a:r>
+              <a:rPr lang="en-US" sz="1100" dirty="0" smtClean="0"/>
+              <a:t> </a:t>
+            </a:r>
+            <a:r>
+              <a:rPr lang="ru-RU" sz="1100" dirty="0" smtClean="0"/>
+              <a:t>ВВЕДЕНИЕ В </a:t>
+            </a:r>
+            <a:r>
+              <a:rPr lang="en-US" sz="1100" dirty="0" smtClean="0"/>
+              <a:t>HTML</a:t>
+            </a:r>
+            <a:endParaRPr lang="ru-RU" sz="1100" dirty="0"/>
+          </a:p>
+        </p:txBody>
+      </p:sp>
+    </p:spTree>
+    <p:extLst>
+      <p:ext uri="{BB962C8B-B14F-4D97-AF65-F5344CB8AC3E}">
+        <p14:creationId xmlns:p14="http://schemas.microsoft.com/office/powerpoint/2010/main" val="3675293105"/>
+      </p:ext>
+    </p:extLst>
+  </p:cSld>
+  <p:clrMapOvr>
+    <a:masterClrMapping/>
+  </p:clrMapOvr>
 </p:sld>
 </file>
 
@@ -3557,6 +4979,13 @@
                     <a:lumMod val="95000"/>
                   </a:schemeClr>
                 </a:solidFill>
+                <a:effectLst>
+                  <a:outerShdw blurRad="38100" dist="38100" dir="2700000" algn="tl">
+                    <a:srgbClr val="000000">
+                      <a:alpha val="43137"/>
+                    </a:srgbClr>
+                  </a:outerShdw>
+                </a:effectLst>
               </a:rPr>
               <a:t>Введение в </a:t>
             </a:r>
@@ -3567,6 +4996,13 @@
                     <a:lumMod val="95000"/>
                   </a:schemeClr>
                 </a:solidFill>
+                <a:effectLst>
+                  <a:outerShdw blurRad="38100" dist="38100" dir="2700000" algn="tl">
+                    <a:srgbClr val="000000">
+                      <a:alpha val="43137"/>
+                    </a:srgbClr>
+                  </a:outerShdw>
+                </a:effectLst>
               </a:rPr>
               <a:t>HTML</a:t>
             </a:r>
@@ -3576,6 +5012,13 @@
                   <a:lumMod val="95000"/>
                 </a:schemeClr>
               </a:solidFill>
+              <a:effectLst>
+                <a:outerShdw blurRad="38100" dist="38100" dir="2700000" algn="tl">
+                  <a:srgbClr val="000000">
+                    <a:alpha val="43137"/>
+                  </a:srgbClr>
+                </a:outerShdw>
+              </a:effectLst>
             </a:endParaRPr>
           </a:p>
         </p:txBody>
@@ -3604,6 +5047,13 @@
                     <a:lumMod val="95000"/>
                   </a:schemeClr>
                 </a:solidFill>
+                <a:effectLst>
+                  <a:outerShdw blurRad="38100" dist="38100" dir="2700000" algn="tl">
+                    <a:srgbClr val="000000">
+                      <a:alpha val="43137"/>
+                    </a:srgbClr>
+                  </a:outerShdw>
+                </a:effectLst>
               </a:rPr>
               <a:t>Цели и задачи курса. Инструменты, ПО.</a:t>
             </a:r>
@@ -3616,6 +5066,13 @@
                     <a:lumMod val="95000"/>
                   </a:schemeClr>
                 </a:solidFill>
+                <a:effectLst>
+                  <a:outerShdw blurRad="38100" dist="38100" dir="2700000" algn="tl">
+                    <a:srgbClr val="000000">
+                      <a:alpha val="43137"/>
+                    </a:srgbClr>
+                  </a:outerShdw>
+                </a:effectLst>
               </a:rPr>
               <a:t>Frontend. </a:t>
             </a:r>
@@ -3626,6 +5083,13 @@
                     <a:lumMod val="95000"/>
                   </a:schemeClr>
                 </a:solidFill>
+                <a:effectLst>
+                  <a:outerShdw blurRad="38100" dist="38100" dir="2700000" algn="tl">
+                    <a:srgbClr val="000000">
+                      <a:alpha val="43137"/>
+                    </a:srgbClr>
+                  </a:outerShdw>
+                </a:effectLst>
               </a:rPr>
               <a:t>Стек технологий </a:t>
             </a:r>
@@ -3636,6 +5100,13 @@
                     <a:lumMod val="95000"/>
                   </a:schemeClr>
                 </a:solidFill>
+                <a:effectLst>
+                  <a:outerShdw blurRad="38100" dist="38100" dir="2700000" algn="tl">
+                    <a:srgbClr val="000000">
+                      <a:alpha val="43137"/>
+                    </a:srgbClr>
+                  </a:outerShdw>
+                </a:effectLst>
               </a:rPr>
               <a:t>HTML, CSS, JS</a:t>
             </a:r>
@@ -3646,6 +5117,13 @@
                     <a:lumMod val="95000"/>
                   </a:schemeClr>
                 </a:solidFill>
+                <a:effectLst>
+                  <a:outerShdw blurRad="38100" dist="38100" dir="2700000" algn="tl">
+                    <a:srgbClr val="000000">
+                      <a:alpha val="43137"/>
+                    </a:srgbClr>
+                  </a:outerShdw>
+                </a:effectLst>
               </a:rPr>
               <a:t>.</a:t>
             </a:r>
@@ -3655,6 +5133,13 @@
                   <a:lumMod val="95000"/>
                 </a:schemeClr>
               </a:solidFill>
+              <a:effectLst>
+                <a:outerShdw blurRad="38100" dist="38100" dir="2700000" algn="tl">
+                  <a:srgbClr val="000000">
+                    <a:alpha val="43137"/>
+                  </a:srgbClr>
+                </a:outerShdw>
+              </a:effectLst>
             </a:endParaRPr>
           </a:p>
           <a:p>
@@ -3665,6 +5150,13 @@
                     <a:lumMod val="95000"/>
                   </a:schemeClr>
                 </a:solidFill>
+                <a:effectLst>
+                  <a:outerShdw blurRad="38100" dist="38100" dir="2700000" algn="tl">
+                    <a:srgbClr val="000000">
+                      <a:alpha val="43137"/>
+                    </a:srgbClr>
+                  </a:outerShdw>
+                </a:effectLst>
               </a:rPr>
               <a:t>Первая страница: </a:t>
             </a:r>
@@ -3675,6 +5167,13 @@
                     <a:lumMod val="95000"/>
                   </a:schemeClr>
                 </a:solidFill>
+                <a:effectLst>
+                  <a:outerShdw blurRad="38100" dist="38100" dir="2700000" algn="tl">
+                    <a:srgbClr val="000000">
+                      <a:alpha val="43137"/>
+                    </a:srgbClr>
+                  </a:outerShdw>
+                </a:effectLst>
               </a:rPr>
               <a:t>HELLO, WORLD!</a:t>
             </a:r>
@@ -3684,6 +5183,13 @@
                   <a:lumMod val="95000"/>
                 </a:schemeClr>
               </a:solidFill>
+              <a:effectLst>
+                <a:outerShdw blurRad="38100" dist="38100" dir="2700000" algn="tl">
+                  <a:srgbClr val="000000">
+                    <a:alpha val="43137"/>
+                  </a:srgbClr>
+                </a:outerShdw>
+              </a:effectLst>
             </a:endParaRPr>
           </a:p>
           <a:p>
@@ -3694,6 +5200,13 @@
                     <a:lumMod val="95000"/>
                   </a:schemeClr>
                 </a:solidFill>
+                <a:effectLst>
+                  <a:outerShdw blurRad="38100" dist="38100" dir="2700000" algn="tl">
+                    <a:srgbClr val="000000">
+                      <a:alpha val="43137"/>
+                    </a:srgbClr>
+                  </a:outerShdw>
+                </a:effectLst>
               </a:rPr>
               <a:t>Структура </a:t>
             </a:r>
@@ -3704,6 +5217,13 @@
                     <a:lumMod val="95000"/>
                   </a:schemeClr>
                 </a:solidFill>
+                <a:effectLst>
+                  <a:outerShdw blurRad="38100" dist="38100" dir="2700000" algn="tl">
+                    <a:srgbClr val="000000">
+                      <a:alpha val="43137"/>
+                    </a:srgbClr>
+                  </a:outerShdw>
+                </a:effectLst>
               </a:rPr>
               <a:t>html</a:t>
             </a:r>
@@ -3714,6 +5234,13 @@
                     <a:lumMod val="95000"/>
                   </a:schemeClr>
                 </a:solidFill>
+                <a:effectLst>
+                  <a:outerShdw blurRad="38100" dist="38100" dir="2700000" algn="tl">
+                    <a:srgbClr val="000000">
+                      <a:alpha val="43137"/>
+                    </a:srgbClr>
+                  </a:outerShdw>
+                </a:effectLst>
               </a:rPr>
               <a:t>-документа</a:t>
             </a:r>
@@ -3724,6 +5251,13 @@
                     <a:lumMod val="95000"/>
                   </a:schemeClr>
                 </a:solidFill>
+                <a:effectLst>
+                  <a:outerShdw blurRad="38100" dist="38100" dir="2700000" algn="tl">
+                    <a:srgbClr val="000000">
+                      <a:alpha val="43137"/>
+                    </a:srgbClr>
+                  </a:outerShdw>
+                </a:effectLst>
               </a:rPr>
               <a:t>.</a:t>
             </a:r>
@@ -3736,6 +5270,13 @@
                     <a:lumMod val="95000"/>
                   </a:schemeClr>
                 </a:solidFill>
+                <a:effectLst>
+                  <a:outerShdw blurRad="38100" dist="38100" dir="2700000" algn="tl">
+                    <a:srgbClr val="000000">
+                      <a:alpha val="43137"/>
+                    </a:srgbClr>
+                  </a:outerShdw>
+                </a:effectLst>
               </a:rPr>
               <a:t>Тэги и атрибуты. Синтаксис.</a:t>
             </a:r>
@@ -3748,6 +5289,13 @@
                     <a:lumMod val="95000"/>
                   </a:schemeClr>
                 </a:solidFill>
+                <a:effectLst>
+                  <a:outerShdw blurRad="38100" dist="38100" dir="2700000" algn="tl">
+                    <a:srgbClr val="000000">
+                      <a:alpha val="43137"/>
+                    </a:srgbClr>
+                  </a:outerShdw>
+                </a:effectLst>
               </a:rPr>
               <a:t>Основные тэги</a:t>
             </a:r>
@@ -3758,6 +5306,13 @@
                     <a:lumMod val="95000"/>
                   </a:schemeClr>
                 </a:solidFill>
+                <a:effectLst>
+                  <a:outerShdw blurRad="38100" dist="38100" dir="2700000" algn="tl">
+                    <a:srgbClr val="000000">
+                      <a:alpha val="43137"/>
+                    </a:srgbClr>
+                  </a:outerShdw>
+                </a:effectLst>
               </a:rPr>
               <a:t>.</a:t>
             </a:r>
@@ -3770,6 +5325,13 @@
                     <a:lumMod val="95000"/>
                   </a:schemeClr>
                 </a:solidFill>
+                <a:effectLst>
+                  <a:outerShdw blurRad="38100" dist="38100" dir="2700000" algn="tl">
+                    <a:srgbClr val="000000">
+                      <a:alpha val="43137"/>
+                    </a:srgbClr>
+                  </a:outerShdw>
+                </a:effectLst>
               </a:rPr>
               <a:t>Одиночные и парные тэги.</a:t>
             </a:r>
@@ -3782,6 +5344,13 @@
                     <a:lumMod val="95000"/>
                   </a:schemeClr>
                 </a:solidFill>
+                <a:effectLst>
+                  <a:outerShdw blurRad="38100" dist="38100" dir="2700000" algn="tl">
+                    <a:srgbClr val="000000">
+                      <a:alpha val="43137"/>
+                    </a:srgbClr>
+                  </a:outerShdw>
+                </a:effectLst>
               </a:rPr>
               <a:t>Блочные и строчные тэги</a:t>
             </a:r>
@@ -3792,6 +5361,13 @@
                     <a:lumMod val="95000"/>
                   </a:schemeClr>
                 </a:solidFill>
+                <a:effectLst>
+                  <a:outerShdw blurRad="38100" dist="38100" dir="2700000" algn="tl">
+                    <a:srgbClr val="000000">
+                      <a:alpha val="43137"/>
+                    </a:srgbClr>
+                  </a:outerShdw>
+                </a:effectLst>
               </a:rPr>
               <a:t>.</a:t>
             </a:r>
@@ -3801,6 +5377,13 @@
                   <a:lumMod val="95000"/>
                 </a:schemeClr>
               </a:solidFill>
+              <a:effectLst>
+                <a:outerShdw blurRad="38100" dist="38100" dir="2700000" algn="tl">
+                  <a:srgbClr val="000000">
+                    <a:alpha val="43137"/>
+                  </a:srgbClr>
+                </a:outerShdw>
+              </a:effectLst>
             </a:endParaRPr>
           </a:p>
           <a:p>
@@ -3811,6 +5394,13 @@
                     <a:lumMod val="95000"/>
                   </a:schemeClr>
                 </a:solidFill>
+                <a:effectLst>
+                  <a:outerShdw blurRad="38100" dist="38100" dir="2700000" algn="tl">
+                    <a:srgbClr val="000000">
+                      <a:alpha val="43137"/>
+                    </a:srgbClr>
+                  </a:outerShdw>
+                </a:effectLst>
               </a:rPr>
               <a:t>Домашнее задание.</a:t>
             </a:r>
@@ -3820,6 +5410,13 @@
                   <a:lumMod val="95000"/>
                 </a:schemeClr>
               </a:solidFill>
+              <a:effectLst>
+                <a:outerShdw blurRad="38100" dist="38100" dir="2700000" algn="tl">
+                  <a:srgbClr val="000000">
+                    <a:alpha val="43137"/>
+                  </a:srgbClr>
+                </a:outerShdw>
+              </a:effectLst>
             </a:endParaRPr>
           </a:p>
           <a:p>
@@ -4022,10 +5619,26 @@
           <a:lstStyle/>
           <a:p>
             <a:r>
-              <a:rPr lang="ru-RU" dirty="0" smtClean="0"/>
+              <a:rPr lang="ru-RU" dirty="0" smtClean="0">
+                <a:effectLst>
+                  <a:outerShdw blurRad="38100" dist="38100" dir="2700000" algn="tl">
+                    <a:srgbClr val="000000">
+                      <a:alpha val="43137"/>
+                    </a:srgbClr>
+                  </a:outerShdw>
+                </a:effectLst>
+              </a:rPr>
               <a:t>Цели и задачи курса</a:t>
             </a:r>
-            <a:endParaRPr lang="ru-RU" dirty="0"/>
+            <a:endParaRPr lang="ru-RU" dirty="0">
+              <a:effectLst>
+                <a:outerShdw blurRad="38100" dist="38100" dir="2700000" algn="tl">
+                  <a:srgbClr val="000000">
+                    <a:alpha val="43137"/>
+                  </a:srgbClr>
+                </a:outerShdw>
+              </a:effectLst>
+            </a:endParaRPr>
           </a:p>
         </p:txBody>
       </p:sp>
@@ -4180,10 +5793,26 @@
           <a:lstStyle/>
           <a:p>
             <a:r>
-              <a:rPr lang="ru-RU" dirty="0" smtClean="0"/>
+              <a:rPr lang="ru-RU" dirty="0" smtClean="0">
+                <a:effectLst>
+                  <a:outerShdw blurRad="38100" dist="38100" dir="2700000" algn="tl">
+                    <a:srgbClr val="000000">
+                      <a:alpha val="43137"/>
+                    </a:srgbClr>
+                  </a:outerShdw>
+                </a:effectLst>
+              </a:rPr>
               <a:t>Инструменты для работы</a:t>
             </a:r>
-            <a:endParaRPr lang="ru-RU" dirty="0"/>
+            <a:endParaRPr lang="ru-RU" dirty="0">
+              <a:effectLst>
+                <a:outerShdw blurRad="38100" dist="38100" dir="2700000" algn="tl">
+                  <a:srgbClr val="000000">
+                    <a:alpha val="43137"/>
+                  </a:srgbClr>
+                </a:outerShdw>
+              </a:effectLst>
+            </a:endParaRPr>
           </a:p>
         </p:txBody>
       </p:sp>
@@ -4196,7 +5825,7 @@
           <p:nvPr/>
         </p:nvPicPr>
         <p:blipFill rotWithShape="1">
-          <a:blip r:embed="rId2" cstate="print">
+          <a:blip r:embed="rId3" cstate="print">
             <a:extLst>
               <a:ext uri="{28A0092B-C50C-407E-A947-70E740481C1C}">
                 <a14:useLocalDpi xmlns:a14="http://schemas.microsoft.com/office/drawing/2010/main" val="0"/>
@@ -4225,7 +5854,7 @@
           <p:nvPr/>
         </p:nvPicPr>
         <p:blipFill>
-          <a:blip r:embed="rId3">
+          <a:blip r:embed="rId4">
             <a:extLst>
               <a:ext uri="{28A0092B-C50C-407E-A947-70E740481C1C}">
                 <a14:useLocalDpi xmlns:a14="http://schemas.microsoft.com/office/drawing/2010/main" val="0"/>
@@ -4255,7 +5884,7 @@
           <p:nvPr/>
         </p:nvPicPr>
         <p:blipFill>
-          <a:blip r:embed="rId4">
+          <a:blip r:embed="rId5">
             <a:extLst>
               <a:ext uri="{28A0092B-C50C-407E-A947-70E740481C1C}">
                 <a14:useLocalDpi xmlns:a14="http://schemas.microsoft.com/office/drawing/2010/main" val="0"/>
@@ -4375,7 +6004,7 @@
           <p:nvPr/>
         </p:nvPicPr>
         <p:blipFill rotWithShape="1">
-          <a:blip r:embed="rId5">
+          <a:blip r:embed="rId6">
             <a:extLst>
               <a:ext uri="{28A0092B-C50C-407E-A947-70E740481C1C}">
                 <a14:useLocalDpi xmlns:a14="http://schemas.microsoft.com/office/drawing/2010/main" val="0"/>
@@ -4553,10 +6182,26 @@
           <a:lstStyle/>
           <a:p>
             <a:r>
-              <a:rPr lang="en-US" dirty="0" smtClean="0"/>
+              <a:rPr lang="en-US" dirty="0" smtClean="0">
+                <a:effectLst>
+                  <a:outerShdw blurRad="38100" dist="38100" dir="2700000" algn="tl">
+                    <a:srgbClr val="000000">
+                      <a:alpha val="43137"/>
+                    </a:srgbClr>
+                  </a:outerShdw>
+                </a:effectLst>
+              </a:rPr>
               <a:t>Frontend</a:t>
             </a:r>
-            <a:endParaRPr lang="ru-RU" dirty="0"/>
+            <a:endParaRPr lang="ru-RU" dirty="0">
+              <a:effectLst>
+                <a:outerShdw blurRad="38100" dist="38100" dir="2700000" algn="tl">
+                  <a:srgbClr val="000000">
+                    <a:alpha val="43137"/>
+                  </a:srgbClr>
+                </a:outerShdw>
+              </a:effectLst>
+            </a:endParaRPr>
           </a:p>
         </p:txBody>
       </p:sp>
@@ -4723,10 +6368,26 @@
           <a:lstStyle/>
           <a:p>
             <a:r>
-              <a:rPr lang="en-US" dirty="0" smtClean="0"/>
+              <a:rPr lang="en-US" dirty="0" smtClean="0">
+                <a:effectLst>
+                  <a:outerShdw blurRad="38100" dist="38100" dir="2700000" algn="tl">
+                    <a:srgbClr val="000000">
+                      <a:alpha val="43137"/>
+                    </a:srgbClr>
+                  </a:outerShdw>
+                </a:effectLst>
+              </a:rPr>
               <a:t>Hello World</a:t>
             </a:r>
-            <a:endParaRPr lang="ru-RU" dirty="0"/>
+            <a:endParaRPr lang="ru-RU" dirty="0">
+              <a:effectLst>
+                <a:outerShdw blurRad="38100" dist="38100" dir="2700000" algn="tl">
+                  <a:srgbClr val="000000">
+                    <a:alpha val="43137"/>
+                  </a:srgbClr>
+                </a:outerShdw>
+              </a:effectLst>
+            </a:endParaRPr>
           </a:p>
         </p:txBody>
       </p:sp>
@@ -4858,18 +6519,50 @@
           <a:lstStyle/>
           <a:p>
             <a:r>
-              <a:rPr lang="ru-RU" dirty="0" smtClean="0"/>
+              <a:rPr lang="ru-RU" dirty="0" smtClean="0">
+                <a:effectLst>
+                  <a:outerShdw blurRad="38100" dist="38100" dir="2700000" algn="tl">
+                    <a:srgbClr val="000000">
+                      <a:alpha val="43137"/>
+                    </a:srgbClr>
+                  </a:outerShdw>
+                </a:effectLst>
+              </a:rPr>
               <a:t>Структура </a:t>
             </a:r>
             <a:r>
-              <a:rPr lang="en-US" dirty="0" smtClean="0"/>
+              <a:rPr lang="en-US" dirty="0" smtClean="0">
+                <a:effectLst>
+                  <a:outerShdw blurRad="38100" dist="38100" dir="2700000" algn="tl">
+                    <a:srgbClr val="000000">
+                      <a:alpha val="43137"/>
+                    </a:srgbClr>
+                  </a:outerShdw>
+                </a:effectLst>
+              </a:rPr>
               <a:t>html-</a:t>
             </a:r>
             <a:r>
-              <a:rPr lang="ru-RU" dirty="0" smtClean="0"/>
+              <a:rPr lang="ru-RU" dirty="0" smtClean="0">
+                <a:effectLst>
+                  <a:outerShdw blurRad="38100" dist="38100" dir="2700000" algn="tl">
+                    <a:srgbClr val="000000">
+                      <a:alpha val="43137"/>
+                    </a:srgbClr>
+                  </a:outerShdw>
+                </a:effectLst>
+              </a:rPr>
               <a:t>документа</a:t>
             </a:r>
-            <a:endParaRPr lang="ru-RU" dirty="0"/>
+            <a:endParaRPr lang="ru-RU" dirty="0">
+              <a:effectLst>
+                <a:outerShdw blurRad="38100" dist="38100" dir="2700000" algn="tl">
+                  <a:srgbClr val="000000">
+                    <a:alpha val="43137"/>
+                  </a:srgbClr>
+                </a:outerShdw>
+              </a:effectLst>
+            </a:endParaRPr>
           </a:p>
         </p:txBody>
       </p:sp>
@@ -5030,10 +6723,26 @@
           <a:lstStyle/>
           <a:p>
             <a:r>
-              <a:rPr lang="ru-RU" dirty="0" smtClean="0"/>
+              <a:rPr lang="ru-RU" dirty="0" smtClean="0">
+                <a:effectLst>
+                  <a:outerShdw blurRad="38100" dist="38100" dir="2700000" algn="tl">
+                    <a:srgbClr val="000000">
+                      <a:alpha val="43137"/>
+                    </a:srgbClr>
+                  </a:outerShdw>
+                </a:effectLst>
+              </a:rPr>
               <a:t>Тэги и атрибуты. Синтаксис.</a:t>
             </a:r>
-            <a:endParaRPr lang="ru-RU" dirty="0"/>
+            <a:endParaRPr lang="ru-RU" dirty="0">
+              <a:effectLst>
+                <a:outerShdw blurRad="38100" dist="38100" dir="2700000" algn="tl">
+                  <a:srgbClr val="000000">
+                    <a:alpha val="43137"/>
+                  </a:srgbClr>
+                </a:outerShdw>
+              </a:effectLst>
+            </a:endParaRPr>
           </a:p>
         </p:txBody>
       </p:sp>
@@ -5194,10 +6903,26 @@
           <a:lstStyle/>
           <a:p>
             <a:r>
-              <a:rPr lang="ru-RU" dirty="0" smtClean="0"/>
+              <a:rPr lang="ru-RU" dirty="0" smtClean="0">
+                <a:effectLst>
+                  <a:outerShdw blurRad="38100" dist="38100" dir="2700000" algn="tl">
+                    <a:srgbClr val="000000">
+                      <a:alpha val="43137"/>
+                    </a:srgbClr>
+                  </a:outerShdw>
+                </a:effectLst>
+              </a:rPr>
               <a:t>Тэги и атрибуты. Синтаксис.</a:t>
             </a:r>
-            <a:endParaRPr lang="ru-RU" dirty="0"/>
+            <a:endParaRPr lang="ru-RU" dirty="0">
+              <a:effectLst>
+                <a:outerShdw blurRad="38100" dist="38100" dir="2700000" algn="tl">
+                  <a:srgbClr val="000000">
+                    <a:alpha val="43137"/>
+                  </a:srgbClr>
+                </a:outerShdw>
+              </a:effectLst>
+            </a:endParaRPr>
           </a:p>
         </p:txBody>
       </p:sp>
@@ -5600,4 +7325,289 @@
   <a:objectDefaults/>
   <a:extraClrSchemeLst/>
 </a:theme>
+</file>
+
+<file path=ppt/theme/theme2.xml><?xml version="1.0" encoding="utf-8"?>
+<a:theme xmlns:a="http://schemas.openxmlformats.org/drawingml/2006/main" name="Тема Office">
+  <a:themeElements>
+    <a:clrScheme name="Стандартная">
+      <a:dk1>
+        <a:sysClr val="windowText" lastClr="000000"/>
+      </a:dk1>
+      <a:lt1>
+        <a:sysClr val="window" lastClr="FFFFFF"/>
+      </a:lt1>
+      <a:dk2>
+        <a:srgbClr val="1F497D"/>
+      </a:dk2>
+      <a:lt2>
+        <a:srgbClr val="EEECE1"/>
+      </a:lt2>
+      <a:accent1>
+        <a:srgbClr val="4F81BD"/>
+      </a:accent1>
+      <a:accent2>
+        <a:srgbClr val="C0504D"/>
+      </a:accent2>
+      <a:accent3>
+        <a:srgbClr val="9BBB59"/>
+      </a:accent3>
+      <a:accent4>
+        <a:srgbClr val="8064A2"/>
+      </a:accent4>
+      <a:accent5>
+        <a:srgbClr val="4BACC6"/>
+      </a:accent5>
+      <a:accent6>
+        <a:srgbClr val="F79646"/>
+      </a:accent6>
+      <a:hlink>
+        <a:srgbClr val="0000FF"/>
+      </a:hlink>
+      <a:folHlink>
+        <a:srgbClr val="800080"/>
+      </a:folHlink>
+    </a:clrScheme>
+    <a:fontScheme name="Стандартная">
+      <a:majorFont>
+        <a:latin typeface="Calibri"/>
+        <a:ea typeface=""/>
+        <a:cs typeface=""/>
+        <a:font script="Jpan" typeface="ＭＳ Ｐゴシック"/>
+        <a:font script="Hang" typeface="맑은 고딕"/>
+        <a:font script="Hans" typeface="宋体"/>
+        <a:font script="Hant" typeface="新細明體"/>
+        <a:font script="Arab" typeface="Times New Roman"/>
+        <a:font script="Hebr" typeface="Times New Roman"/>
+        <a:font script="Thai" typeface="Angsana New"/>
+        <a:font script="Ethi" typeface="Nyala"/>
+        <a:font script="Beng" typeface="Vrinda"/>
+        <a:font script="Gujr" typeface="Shruti"/>
+        <a:font script="Khmr" typeface="MoolBoran"/>
+        <a:font script="Knda" typeface="Tunga"/>
+        <a:font script="Guru" typeface="Raavi"/>
+        <a:font script="Cans" typeface="Euphemia"/>
+        <a:font script="Cher" typeface="Plantagenet Cherokee"/>
+        <a:font script="Yiii" typeface="Microsoft Yi Baiti"/>
+        <a:font script="Tibt" typeface="Microsoft Himalaya"/>
+        <a:font script="Thaa" typeface="MV Boli"/>
+        <a:font script="Deva" typeface="Mangal"/>
+        <a:font script="Telu" typeface="Gautami"/>
+        <a:font script="Taml" typeface="Latha"/>
+        <a:font script="Syrc" typeface="Estrangelo Edessa"/>
+        <a:font script="Orya" typeface="Kalinga"/>
+        <a:font script="Mlym" typeface="Kartika"/>
+        <a:font script="Laoo" typeface="DokChampa"/>
+        <a:font script="Sinh" typeface="Iskoola Pota"/>
+        <a:font script="Mong" typeface="Mongolian Baiti"/>
+        <a:font script="Viet" typeface="Times New Roman"/>
+        <a:font script="Uigh" typeface="Microsoft Uighur"/>
+        <a:font script="Geor" typeface="Sylfaen"/>
+      </a:majorFont>
+      <a:minorFont>
+        <a:latin typeface="Calibri"/>
+        <a:ea typeface=""/>
+        <a:cs typeface=""/>
+        <a:font script="Jpan" typeface="ＭＳ Ｐゴシック"/>
+        <a:font script="Hang" typeface="맑은 고딕"/>
+        <a:font script="Hans" typeface="宋体"/>
+        <a:font script="Hant" typeface="新細明體"/>
+        <a:font script="Arab" typeface="Arial"/>
+        <a:font script="Hebr" typeface="Arial"/>
+        <a:font script="Thai" typeface="Cordia New"/>
+        <a:font script="Ethi" typeface="Nyala"/>
+        <a:font script="Beng" typeface="Vrinda"/>
+        <a:font script="Gujr" typeface="Shruti"/>
+        <a:font script="Khmr" typeface="DaunPenh"/>
+        <a:font script="Knda" typeface="Tunga"/>
+        <a:font script="Guru" typeface="Raavi"/>
+        <a:font script="Cans" typeface="Euphemia"/>
+        <a:font script="Cher" typeface="Plantagenet Cherokee"/>
+        <a:font script="Yiii" typeface="Microsoft Yi Baiti"/>
+        <a:font script="Tibt" typeface="Microsoft Himalaya"/>
+        <a:font script="Thaa" typeface="MV Boli"/>
+        <a:font script="Deva" typeface="Mangal"/>
+        <a:font script="Telu" typeface="Gautami"/>
+        <a:font script="Taml" typeface="Latha"/>
+        <a:font script="Syrc" typeface="Estrangelo Edessa"/>
+        <a:font script="Orya" typeface="Kalinga"/>
+        <a:font script="Mlym" typeface="Kartika"/>
+        <a:font script="Laoo" typeface="DokChampa"/>
+        <a:font script="Sinh" typeface="Iskoola Pota"/>
+        <a:font script="Mong" typeface="Mongolian Baiti"/>
+        <a:font script="Viet" typeface="Arial"/>
+        <a:font script="Uigh" typeface="Microsoft Uighur"/>
+        <a:font script="Geor" typeface="Sylfaen"/>
+      </a:minorFont>
+    </a:fontScheme>
+    <a:fmtScheme name="Стандартная">
+      <a:fillStyleLst>
+        <a:solidFill>
+          <a:schemeClr val="phClr"/>
+        </a:solidFill>
+        <a:gradFill rotWithShape="1">
+          <a:gsLst>
+            <a:gs pos="0">
+              <a:schemeClr val="phClr">
+                <a:tint val="50000"/>
+                <a:satMod val="300000"/>
+              </a:schemeClr>
+            </a:gs>
+            <a:gs pos="35000">
+              <a:schemeClr val="phClr">
+                <a:tint val="37000"/>
+                <a:satMod val="300000"/>
+              </a:schemeClr>
+            </a:gs>
+            <a:gs pos="100000">
+              <a:schemeClr val="phClr">
+                <a:tint val="15000"/>
+                <a:satMod val="350000"/>
+              </a:schemeClr>
+            </a:gs>
+          </a:gsLst>
+          <a:lin ang="16200000" scaled="1"/>
+        </a:gradFill>
+        <a:gradFill rotWithShape="1">
+          <a:gsLst>
+            <a:gs pos="0">
+              <a:schemeClr val="phClr">
+                <a:shade val="51000"/>
+                <a:satMod val="130000"/>
+              </a:schemeClr>
+            </a:gs>
+            <a:gs pos="80000">
+              <a:schemeClr val="phClr">
+                <a:shade val="93000"/>
+                <a:satMod val="130000"/>
+              </a:schemeClr>
+            </a:gs>
+            <a:gs pos="100000">
+              <a:schemeClr val="phClr">
+                <a:shade val="94000"/>
+                <a:satMod val="135000"/>
+              </a:schemeClr>
+            </a:gs>
+          </a:gsLst>
+          <a:lin ang="16200000" scaled="0"/>
+        </a:gradFill>
+      </a:fillStyleLst>
+      <a:lnStyleLst>
+        <a:ln w="9525" cap="flat" cmpd="sng" algn="ctr">
+          <a:solidFill>
+            <a:schemeClr val="phClr">
+              <a:shade val="95000"/>
+              <a:satMod val="105000"/>
+            </a:schemeClr>
+          </a:solidFill>
+          <a:prstDash val="solid"/>
+        </a:ln>
+        <a:ln w="25400" cap="flat" cmpd="sng" algn="ctr">
+          <a:solidFill>
+            <a:schemeClr val="phClr"/>
+          </a:solidFill>
+          <a:prstDash val="solid"/>
+        </a:ln>
+        <a:ln w="38100" cap="flat" cmpd="sng" algn="ctr">
+          <a:solidFill>
+            <a:schemeClr val="phClr"/>
+          </a:solidFill>
+          <a:prstDash val="solid"/>
+        </a:ln>
+      </a:lnStyleLst>
+      <a:effectStyleLst>
+        <a:effectStyle>
+          <a:effectLst>
+            <a:outerShdw blurRad="40000" dist="20000" dir="5400000" rotWithShape="0">
+              <a:srgbClr val="000000">
+                <a:alpha val="38000"/>
+              </a:srgbClr>
+            </a:outerShdw>
+          </a:effectLst>
+        </a:effectStyle>
+        <a:effectStyle>
+          <a:effectLst>
+            <a:outerShdw blurRad="40000" dist="23000" dir="5400000" rotWithShape="0">
+              <a:srgbClr val="000000">
+                <a:alpha val="35000"/>
+              </a:srgbClr>
+            </a:outerShdw>
+          </a:effectLst>
+        </a:effectStyle>
+        <a:effectStyle>
+          <a:effectLst>
+            <a:outerShdw blurRad="40000" dist="23000" dir="5400000" rotWithShape="0">
+              <a:srgbClr val="000000">
+                <a:alpha val="35000"/>
+              </a:srgbClr>
+            </a:outerShdw>
+          </a:effectLst>
+          <a:scene3d>
+            <a:camera prst="orthographicFront">
+              <a:rot lat="0" lon="0" rev="0"/>
+            </a:camera>
+            <a:lightRig rig="threePt" dir="t">
+              <a:rot lat="0" lon="0" rev="1200000"/>
+            </a:lightRig>
+          </a:scene3d>
+          <a:sp3d>
+            <a:bevelT w="63500" h="25400"/>
+          </a:sp3d>
+        </a:effectStyle>
+      </a:effectStyleLst>
+      <a:bgFillStyleLst>
+        <a:solidFill>
+          <a:schemeClr val="phClr"/>
+        </a:solidFill>
+        <a:gradFill rotWithShape="1">
+          <a:gsLst>
+            <a:gs pos="0">
+              <a:schemeClr val="phClr">
+                <a:tint val="40000"/>
+                <a:satMod val="350000"/>
+              </a:schemeClr>
+            </a:gs>
+            <a:gs pos="40000">
+              <a:schemeClr val="phClr">
+                <a:tint val="45000"/>
+                <a:shade val="99000"/>
+                <a:satMod val="350000"/>
+              </a:schemeClr>
+            </a:gs>
+            <a:gs pos="100000">
+              <a:schemeClr val="phClr">
+                <a:shade val="20000"/>
+                <a:satMod val="255000"/>
+              </a:schemeClr>
+            </a:gs>
+          </a:gsLst>
+          <a:path path="circle">
+            <a:fillToRect l="50000" t="-80000" r="50000" b="180000"/>
+          </a:path>
+        </a:gradFill>
+        <a:gradFill rotWithShape="1">
+          <a:gsLst>
+            <a:gs pos="0">
+              <a:schemeClr val="phClr">
+                <a:tint val="80000"/>
+                <a:satMod val="300000"/>
+              </a:schemeClr>
+            </a:gs>
+            <a:gs pos="100000">
+              <a:schemeClr val="phClr">
+                <a:shade val="30000"/>
+                <a:satMod val="200000"/>
+              </a:schemeClr>
+            </a:gs>
+          </a:gsLst>
+          <a:path path="circle">
+            <a:fillToRect l="50000" t="50000" r="50000" b="50000"/>
+          </a:path>
+        </a:gradFill>
+      </a:bgFillStyleLst>
+    </a:fmtScheme>
+  </a:themeElements>
+  <a:objectDefaults/>
+  <a:extraClrSchemeLst/>
+</a:theme>
 </file>
--- a/00-presentation/Frontend 101.pptx
+++ b/00-presentation/Frontend 101.pptx
@@ -231,7 +231,7 @@
           <a:p>
             <a:fld id="{FE6E0087-205E-475D-B9F7-441EAED58169}" type="datetimeFigureOut">
               <a:rPr lang="ru-RU" smtClean="0"/>
-              <a:t>09.10.2019</a:t>
+              <a:t>11.10.2019</a:t>
             </a:fld>
             <a:endParaRPr lang="ru-RU"/>
           </a:p>
@@ -764,7 +764,7 @@
           <a:p>
             <a:fld id="{0D602453-4147-4C7A-BDB0-0580C07D47BF}" type="datetimeFigureOut">
               <a:rPr lang="ru-RU" smtClean="0"/>
-              <a:t>09.10.2019</a:t>
+              <a:t>11.10.2019</a:t>
             </a:fld>
             <a:endParaRPr lang="ru-RU"/>
           </a:p>
@@ -934,7 +934,7 @@
           <a:p>
             <a:fld id="{0D602453-4147-4C7A-BDB0-0580C07D47BF}" type="datetimeFigureOut">
               <a:rPr lang="ru-RU" smtClean="0"/>
-              <a:t>09.10.2019</a:t>
+              <a:t>11.10.2019</a:t>
             </a:fld>
             <a:endParaRPr lang="ru-RU"/>
           </a:p>
@@ -1114,7 +1114,7 @@
           <a:p>
             <a:fld id="{0D602453-4147-4C7A-BDB0-0580C07D47BF}" type="datetimeFigureOut">
               <a:rPr lang="ru-RU" smtClean="0"/>
-              <a:t>09.10.2019</a:t>
+              <a:t>11.10.2019</a:t>
             </a:fld>
             <a:endParaRPr lang="ru-RU"/>
           </a:p>
@@ -1284,7 +1284,7 @@
           <a:p>
             <a:fld id="{0D602453-4147-4C7A-BDB0-0580C07D47BF}" type="datetimeFigureOut">
               <a:rPr lang="ru-RU" smtClean="0"/>
-              <a:t>09.10.2019</a:t>
+              <a:t>11.10.2019</a:t>
             </a:fld>
             <a:endParaRPr lang="ru-RU"/>
           </a:p>
@@ -1530,7 +1530,7 @@
           <a:p>
             <a:fld id="{0D602453-4147-4C7A-BDB0-0580C07D47BF}" type="datetimeFigureOut">
               <a:rPr lang="ru-RU" smtClean="0"/>
-              <a:t>09.10.2019</a:t>
+              <a:t>11.10.2019</a:t>
             </a:fld>
             <a:endParaRPr lang="ru-RU"/>
           </a:p>
@@ -1818,7 +1818,7 @@
           <a:p>
             <a:fld id="{0D602453-4147-4C7A-BDB0-0580C07D47BF}" type="datetimeFigureOut">
               <a:rPr lang="ru-RU" smtClean="0"/>
-              <a:t>09.10.2019</a:t>
+              <a:t>11.10.2019</a:t>
             </a:fld>
             <a:endParaRPr lang="ru-RU"/>
           </a:p>
@@ -2240,7 +2240,7 @@
           <a:p>
             <a:fld id="{0D602453-4147-4C7A-BDB0-0580C07D47BF}" type="datetimeFigureOut">
               <a:rPr lang="ru-RU" smtClean="0"/>
-              <a:t>09.10.2019</a:t>
+              <a:t>11.10.2019</a:t>
             </a:fld>
             <a:endParaRPr lang="ru-RU"/>
           </a:p>
@@ -2358,7 +2358,7 @@
           <a:p>
             <a:fld id="{0D602453-4147-4C7A-BDB0-0580C07D47BF}" type="datetimeFigureOut">
               <a:rPr lang="ru-RU" smtClean="0"/>
-              <a:t>09.10.2019</a:t>
+              <a:t>11.10.2019</a:t>
             </a:fld>
             <a:endParaRPr lang="ru-RU"/>
           </a:p>
@@ -2453,7 +2453,7 @@
           <a:p>
             <a:fld id="{0D602453-4147-4C7A-BDB0-0580C07D47BF}" type="datetimeFigureOut">
               <a:rPr lang="ru-RU" smtClean="0"/>
-              <a:t>09.10.2019</a:t>
+              <a:t>11.10.2019</a:t>
             </a:fld>
             <a:endParaRPr lang="ru-RU"/>
           </a:p>
@@ -2730,7 +2730,7 @@
           <a:p>
             <a:fld id="{0D602453-4147-4C7A-BDB0-0580C07D47BF}" type="datetimeFigureOut">
               <a:rPr lang="ru-RU" smtClean="0"/>
-              <a:t>09.10.2019</a:t>
+              <a:t>11.10.2019</a:t>
             </a:fld>
             <a:endParaRPr lang="ru-RU"/>
           </a:p>
@@ -2983,7 +2983,7 @@
           <a:p>
             <a:fld id="{0D602453-4147-4C7A-BDB0-0580C07D47BF}" type="datetimeFigureOut">
               <a:rPr lang="ru-RU" smtClean="0"/>
-              <a:t>09.10.2019</a:t>
+              <a:t>11.10.2019</a:t>
             </a:fld>
             <a:endParaRPr lang="ru-RU"/>
           </a:p>
@@ -3196,7 +3196,7 @@
           <a:p>
             <a:fld id="{0D602453-4147-4C7A-BDB0-0580C07D47BF}" type="datetimeFigureOut">
               <a:rPr lang="ru-RU" smtClean="0"/>
-              <a:t>09.10.2019</a:t>
+              <a:t>11.10.2019</a:t>
             </a:fld>
             <a:endParaRPr lang="ru-RU"/>
           </a:p>
@@ -4739,7 +4739,15 @@
             </a:r>
             <a:r>
               <a:rPr lang="ru-RU" dirty="0" smtClean="0"/>
-              <a:t>для всех, каждый товар отдельный </a:t>
+              <a:t>для </a:t>
+            </a:r>
+            <a:r>
+              <a:rPr lang="ru-RU" dirty="0" smtClean="0"/>
+              <a:t>всех товаров, </a:t>
+            </a:r>
+            <a:r>
+              <a:rPr lang="ru-RU" dirty="0" smtClean="0"/>
+              <a:t>каждый товар отдельный </a:t>
             </a:r>
             <a:r>
               <a:rPr lang="en-US" dirty="0" smtClean="0"/>
